--- a/FourGates/FourGates.pptx
+++ b/FourGates/FourGates.pptx
@@ -289,7 +289,7 @@
       <p15:notesGuideLst xmlns:p15="http://schemas.microsoft.com/office/powerpoint/2012/main"/>
     </p:ext>
     <p:ext uri="http://customooxmlschemas.google.com/">
-      <go:slidesCustomData xmlns="" xmlns:mc="http://schemas.openxmlformats.org/markup-compatibility/2006" xmlns:mv="urn:schemas-microsoft-com:mac:vml" xmlns:c="http://schemas.openxmlformats.org/drawingml/2006/chart" xmlns:dgm="http://schemas.openxmlformats.org/drawingml/2006/diagram" xmlns:o="urn:schemas-microsoft-com:office:office" xmlns:v="urn:schemas-microsoft-com:vml" xmlns:pvml="urn:schemas-microsoft-com:office:powerpoint" xmlns:com="http://schemas.openxmlformats.org/drawingml/2006/compatibility" xmlns:p14="http://schemas.microsoft.com/office/powerpoint/2010/main" xmlns:p15="http://schemas.microsoft.com/office/powerpoint/2012/main" xmlns:ahyp="http://schemas.microsoft.com/office/drawing/2018/hyperlinkcolor" xmlns:go="http://customooxmlschemas.google.com/" r:id="rId84" roundtripDataSignature="AMtx7mjWAUdR7GAsra11wdbxDMbs6FfeWw=="/>
+      <go:slidesCustomData xmlns:go="http://customooxmlschemas.google.com/" xmlns:ahyp="http://schemas.microsoft.com/office/drawing/2018/hyperlinkcolor" xmlns:p15="http://schemas.microsoft.com/office/powerpoint/2012/main" xmlns:p14="http://schemas.microsoft.com/office/powerpoint/2010/main" xmlns:com="http://schemas.openxmlformats.org/drawingml/2006/compatibility" xmlns:pvml="urn:schemas-microsoft-com:office:powerpoint" xmlns:v="urn:schemas-microsoft-com:vml" xmlns:o="urn:schemas-microsoft-com:office:office" xmlns:dgm="http://schemas.openxmlformats.org/drawingml/2006/diagram" xmlns:c="http://schemas.openxmlformats.org/drawingml/2006/chart" xmlns:mv="urn:schemas-microsoft-com:mac:vml" xmlns:mc="http://schemas.openxmlformats.org/markup-compatibility/2006" xmlns="" r:id="rId84" roundtripDataSignature="AMtx7mjWAUdR7GAsra11wdbxDMbs6FfeWw=="/>
     </p:ext>
   </p:extLst>
 </p:presentation>
@@ -12151,50 +12151,6 @@
               </a:solidFill>
             </a:endParaRPr>
           </a:p>
-          <a:p>
-            <a:pPr marL="0" lvl="0" indent="0" algn="ctr" rtl="0">
-              <a:lnSpc>
-                <a:spcPct val="100000"/>
-              </a:lnSpc>
-              <a:spcBef>
-                <a:spcPts val="0"/>
-              </a:spcBef>
-              <a:spcAft>
-                <a:spcPts val="0"/>
-              </a:spcAft>
-              <a:buSzPts val="2800"/>
-              <a:buNone/>
-            </a:pPr>
-            <a:r>
-              <a:rPr lang="en-US" dirty="0">
-                <a:solidFill>
-                  <a:srgbClr val="000000"/>
-                </a:solidFill>
-              </a:rPr>
-              <a:t>A</a:t>
-            </a:r>
-            <a:r>
-              <a:rPr lang="he-IL" dirty="0">
-                <a:solidFill>
-                  <a:srgbClr val="000000"/>
-                </a:solidFill>
-              </a:rPr>
-              <a:t> </a:t>
-            </a:r>
-            <a:r>
-              <a:rPr lang="en-US" dirty="0">
-                <a:solidFill>
-                  <a:srgbClr val="000000"/>
-                </a:solidFill>
-              </a:rPr>
-              <a:t> complete presentation</a:t>
-            </a:r>
-            <a:endParaRPr dirty="0">
-              <a:solidFill>
-                <a:srgbClr val="000000"/>
-              </a:solidFill>
-            </a:endParaRPr>
-          </a:p>
         </p:txBody>
       </p:sp>
       <p:sp>
@@ -12401,23 +12357,7 @@
                   <a:schemeClr val="dk1"/>
                 </a:solidFill>
               </a:rPr>
-              <a:t>The </a:t>
-            </a:r>
-            <a:r>
-              <a:rPr lang="en-US" dirty="0" err="1">
-                <a:solidFill>
-                  <a:schemeClr val="dk1"/>
-                </a:solidFill>
-              </a:rPr>
-              <a:t>Gaonim</a:t>
-            </a:r>
-            <a:r>
-              <a:rPr lang="en-US" dirty="0">
-                <a:solidFill>
-                  <a:schemeClr val="dk1"/>
-                </a:solidFill>
-              </a:rPr>
-              <a:t> saw that these adjustments actually only happen in two cases:</a:t>
+              <a:t>The Gaonim saw that these adjustments actually only happen in two cases:</a:t>
             </a:r>
           </a:p>
           <a:p>
@@ -12860,7 +12800,7 @@
                   <a:schemeClr val="dk1"/>
                 </a:solidFill>
               </a:rPr>
-              <a:t>” given in standard discussions of the calendar:</a:t>
+              <a:t>” given in most discussions of the calendar:</a:t>
             </a:r>
           </a:p>
           <a:p>
@@ -13261,11 +13201,11 @@
   <p:clrMapOvr>
     <a:masterClrMapping/>
   </p:clrMapOvr>
-  <mc:AlternateContent xmlns:mc="http://schemas.openxmlformats.org/markup-compatibility/2006">
-    <mc:Choice xmlns:p14="http://schemas.microsoft.com/office/powerpoint/2010/main" Requires="p14">
+  <mc:AlternateContent xmlns:mc="http://schemas.openxmlformats.org/markup-compatibility/2006" xmlns:p14="http://schemas.microsoft.com/office/powerpoint/2010/main">
+    <mc:Choice Requires="p14">
       <p:transition spd="slow" p14:dur="2000" advTm="7565"/>
     </mc:Choice>
-    <mc:Fallback>
+    <mc:Fallback xmlns="">
       <p:transition spd="slow" advTm="7565"/>
     </mc:Fallback>
   </mc:AlternateContent>
@@ -13521,15 +13461,15 @@
                   <a:schemeClr val="dk1"/>
                 </a:solidFill>
               </a:rPr>
-              <a:t>The </a:t>
-            </a:r>
-            <a:r>
-              <a:rPr lang="en-US" dirty="0" err="1">
-                <a:solidFill>
-                  <a:schemeClr val="dk1"/>
-                </a:solidFill>
-              </a:rPr>
-              <a:t>Gaonim</a:t>
+              <a:t>The Gaonim also described a way to mechanize the entire process: the </a:t>
+            </a:r>
+            <a:r>
+              <a:rPr lang="he-IL" dirty="0">
+                <a:solidFill>
+                  <a:schemeClr val="dk1"/>
+                </a:solidFill>
+              </a:rPr>
+              <a:t>ארבעה</a:t>
             </a:r>
             <a:r>
               <a:rPr lang="en-US" dirty="0">
@@ -13537,7 +13477,7 @@
                   <a:schemeClr val="dk1"/>
                 </a:solidFill>
               </a:rPr>
-              <a:t> also described a way to mechanize the entire process: the </a:t>
+              <a:t> </a:t>
             </a:r>
             <a:r>
               <a:rPr lang="he-IL" dirty="0">
@@ -13545,7 +13485,7 @@
                   <a:schemeClr val="dk1"/>
                 </a:solidFill>
               </a:rPr>
-              <a:t>ארבעה שערים</a:t>
+              <a:t>שערים</a:t>
             </a:r>
             <a:r>
               <a:rPr lang="en-US" dirty="0">
@@ -13553,7 +13493,7 @@
                   <a:schemeClr val="dk1"/>
                 </a:solidFill>
               </a:rPr>
-              <a:t>, the “Four Gates”:</a:t>
+              <a:t>, the “Four Gates”.</a:t>
             </a:r>
           </a:p>
           <a:p>
@@ -13624,18 +13564,110 @@
                   <a:schemeClr val="dk1"/>
                 </a:solidFill>
               </a:rPr>
-              <a:t>, and </a:t>
+              <a:t>,</a:t>
             </a:r>
           </a:p>
           <a:p>
-            <a:pPr lvl="0"/>
+            <a:pPr marL="457200" lvl="0" indent="-342900" algn="l" rtl="0">
+              <a:lnSpc>
+                <a:spcPct val="115000"/>
+              </a:lnSpc>
+              <a:spcBef>
+                <a:spcPts val="0"/>
+              </a:spcBef>
+              <a:spcAft>
+                <a:spcPts val="0"/>
+              </a:spcAft>
+              <a:buSzPts val="1800"/>
+              <a:buChar char="●"/>
+            </a:pPr>
             <a:r>
               <a:rPr lang="en-US" dirty="0">
                 <a:solidFill>
                   <a:schemeClr val="dk1"/>
                 </a:solidFill>
               </a:rPr>
-              <a:t>Last year, this year, and next year: are they regular or leap years.</a:t>
+              <a:t>And from the 19 year cycle: Of last year, this year, and next year, which are regular (</a:t>
+            </a:r>
+            <a:r>
+              <a:rPr lang="he-IL" dirty="0">
+                <a:solidFill>
+                  <a:schemeClr val="dk1"/>
+                </a:solidFill>
+              </a:rPr>
+              <a:t>פ</a:t>
+            </a:r>
+            <a:r>
+              <a:rPr lang="en-US" dirty="0">
+                <a:solidFill>
+                  <a:schemeClr val="dk1"/>
+                </a:solidFill>
+              </a:rPr>
+              <a:t> for </a:t>
+            </a:r>
+            <a:r>
+              <a:rPr lang="he-IL" dirty="0">
+                <a:solidFill>
+                  <a:schemeClr val="dk1"/>
+                </a:solidFill>
+              </a:rPr>
+              <a:t>פשוטה</a:t>
+            </a:r>
+            <a:r>
+              <a:rPr lang="en-US" dirty="0">
+                <a:solidFill>
+                  <a:schemeClr val="dk1"/>
+                </a:solidFill>
+              </a:rPr>
+              <a:t>) and leap years (</a:t>
+            </a:r>
+            <a:r>
+              <a:rPr lang="he-IL" dirty="0">
+                <a:solidFill>
+                  <a:schemeClr val="dk1"/>
+                </a:solidFill>
+              </a:rPr>
+              <a:t>מ</a:t>
+            </a:r>
+            <a:r>
+              <a:rPr lang="en-US" dirty="0">
+                <a:solidFill>
+                  <a:schemeClr val="dk1"/>
+                </a:solidFill>
+              </a:rPr>
+              <a:t> for </a:t>
+            </a:r>
+            <a:r>
+              <a:rPr lang="he-IL" dirty="0">
+                <a:solidFill>
+                  <a:schemeClr val="dk1"/>
+                </a:solidFill>
+              </a:rPr>
+              <a:t>מעוברת</a:t>
+            </a:r>
+            <a:r>
+              <a:rPr lang="en-US" dirty="0">
+                <a:solidFill>
+                  <a:schemeClr val="dk1"/>
+                </a:solidFill>
+              </a:rPr>
+              <a:t>)? For instance, </a:t>
+            </a:r>
+            <a:r>
+              <a:rPr lang="he-IL" dirty="0">
+                <a:solidFill>
+                  <a:schemeClr val="dk1"/>
+                </a:solidFill>
+              </a:rPr>
+              <a:t>פמ"פ</a:t>
+            </a:r>
+            <a:r>
+              <a:rPr lang="en-US" dirty="0">
+                <a:solidFill>
+                  <a:schemeClr val="dk1"/>
+                </a:solidFill>
+              </a:rPr>
+              <a:t> means a leap year in the middle, this year.</a:t>
             </a:r>
           </a:p>
           <a:p>
@@ -13734,13 +13766,13 @@
           <a:blip r:embed="rId3">
             <a:alphaModFix/>
           </a:blip>
-          <a:srcRect/>
+          <a:srcRect l="392" t="1964" r="-392" b="1104"/>
           <a:stretch/>
         </p:blipFill>
         <p:spPr>
           <a:xfrm>
             <a:off x="1452283" y="0"/>
-            <a:ext cx="6391835" cy="5246526"/>
+            <a:ext cx="6391835" cy="5085567"/>
           </a:xfrm>
           <a:prstGeom prst="rect">
             <a:avLst/>
@@ -14567,7 +14599,7 @@
                   <a:schemeClr val="dk1"/>
                 </a:solidFill>
               </a:rPr>
-              <a:t>Those lengths depend on whether each of those years is </a:t>
+              <a:t>Those year lengths depend on whether each of those years is </a:t>
             </a:r>
             <a:r>
               <a:rPr lang="he-IL" dirty="0">
@@ -14739,7 +14771,7 @@
                   <a:schemeClr val="dk1"/>
                 </a:solidFill>
               </a:rPr>
-              <a:t> move in synch, at certain points (listed by the Tur), one of them crosses a transition point – 18h in the day for the rule of </a:t>
+              <a:t> move in synch, at certain points (listed by the Tur) one of them crosses a transition point – 18h in the day for the rule of </a:t>
             </a:r>
             <a:r>
               <a:rPr lang="he-IL" dirty="0">
@@ -14801,7 +14833,7 @@
                   <a:schemeClr val="dk1"/>
                 </a:solidFill>
               </a:rPr>
-              <a:t>To understand the list, you would need to go through them one by one and work out which </a:t>
+              <a:t>To understand the list, you need to go through them one by one and work out which </a:t>
             </a:r>
             <a:r>
               <a:rPr lang="en-US" dirty="0" err="1">
@@ -15037,11 +15069,11 @@
   <p:clrMapOvr>
     <a:masterClrMapping/>
   </p:clrMapOvr>
-  <mc:AlternateContent xmlns:mc="http://schemas.openxmlformats.org/markup-compatibility/2006">
-    <mc:Choice xmlns:p14="http://schemas.microsoft.com/office/powerpoint/2010/main" Requires="p14">
+  <mc:AlternateContent xmlns:mc="http://schemas.openxmlformats.org/markup-compatibility/2006" xmlns:p14="http://schemas.microsoft.com/office/powerpoint/2010/main">
+    <mc:Choice Requires="p14">
       <p:transition spd="slow" p14:dur="2000" advTm="7565"/>
     </mc:Choice>
-    <mc:Fallback>
+    <mc:Fallback xmlns="">
       <p:transition spd="slow" advTm="7565"/>
     </mc:Fallback>
   </mc:AlternateContent>
@@ -15323,8 +15355,8 @@
         </p:blipFill>
         <p:spPr>
           <a:xfrm>
-            <a:off x="764089" y="1778214"/>
-            <a:ext cx="7772400" cy="3626768"/>
+            <a:off x="1152396" y="1759425"/>
+            <a:ext cx="7139834" cy="3331599"/>
           </a:xfrm>
           <a:prstGeom prst="rect">
             <a:avLst/>
@@ -15876,8 +15908,8 @@
         </p:blipFill>
         <p:spPr>
           <a:xfrm>
-            <a:off x="933189" y="1759906"/>
-            <a:ext cx="7108521" cy="3281819"/>
+            <a:off x="933189" y="1766169"/>
+            <a:ext cx="7315403" cy="3377331"/>
           </a:xfrm>
           <a:prstGeom prst="rect">
             <a:avLst/>
@@ -16034,7 +16066,7 @@
                   <a:schemeClr val="dk1"/>
                 </a:solidFill>
               </a:rPr>
-              <a:t> will shift to match the new value.</a:t>
+              <a:t> shift to match the new value.</a:t>
             </a:r>
           </a:p>
           <a:p>
@@ -16070,7 +16102,7 @@
         </p:blipFill>
         <p:spPr>
           <a:xfrm>
-            <a:off x="638827" y="1722328"/>
+            <a:off x="1058449" y="1722328"/>
             <a:ext cx="7258833" cy="3372074"/>
           </a:xfrm>
           <a:prstGeom prst="rect">
@@ -16296,8 +16328,8 @@
         </p:blipFill>
         <p:spPr>
           <a:xfrm>
-            <a:off x="656451" y="1714503"/>
-            <a:ext cx="7831097" cy="3620593"/>
+            <a:off x="963339" y="1737720"/>
+            <a:ext cx="7366470" cy="3405780"/>
           </a:xfrm>
           <a:prstGeom prst="rect">
             <a:avLst/>
@@ -16438,7 +16470,7 @@
                   <a:schemeClr val="dk1"/>
                 </a:solidFill>
               </a:rPr>
-              <a:t>, and this year’s type – to the actual calendar for the year. Here that is </a:t>
+              <a:t> (red), and this year’s type (green), to the actual calendar for the year. Here that is </a:t>
             </a:r>
             <a:r>
               <a:rPr lang="he-IL" dirty="0">
@@ -16490,8 +16522,8 @@
         </p:blipFill>
         <p:spPr>
           <a:xfrm>
-            <a:off x="656451" y="1714503"/>
-            <a:ext cx="7831097" cy="3620593"/>
+            <a:off x="895028" y="1743512"/>
+            <a:ext cx="7353944" cy="3399988"/>
           </a:xfrm>
           <a:prstGeom prst="rect">
             <a:avLst/>
@@ -16664,7 +16696,7 @@
                   <a:schemeClr val="dk1"/>
                 </a:solidFill>
               </a:rPr>
-              <a:t> - and give the calendar - for that year. Here is this year:</a:t>
+              <a:t> - and give the correct calendar - for that year. This year:</a:t>
             </a:r>
           </a:p>
           <a:p>
@@ -16842,7 +16874,7 @@
                   <a:schemeClr val="dk1"/>
                 </a:solidFill>
               </a:rPr>
-              <a:t> times in the column under “Molad </a:t>
+              <a:t> times in the column titled “Molad </a:t>
             </a:r>
             <a:r>
               <a:rPr lang="en-US" dirty="0" err="1">
@@ -17020,7 +17052,7 @@
                   <a:schemeClr val="dk1"/>
                 </a:solidFill>
               </a:rPr>
-              <a:t>If you click on one of them, a full explanation appears in the Stories section:</a:t>
+              <a:t>If you click on one of them, (a) a full explanation appears in the Stories section:</a:t>
             </a:r>
           </a:p>
         </p:txBody>
@@ -17046,8 +17078,8 @@
         </p:blipFill>
         <p:spPr>
           <a:xfrm>
-            <a:off x="385901" y="1409529"/>
-            <a:ext cx="7996418" cy="3733971"/>
+            <a:off x="492373" y="1453370"/>
+            <a:ext cx="7781069" cy="3633413"/>
           </a:xfrm>
           <a:prstGeom prst="rect">
             <a:avLst/>
@@ -17180,7 +17212,7 @@
                   <a:schemeClr val="dk1"/>
                 </a:solidFill>
               </a:rPr>
-              <a:t>, the </a:t>
+              <a:t>, (b) the </a:t>
             </a:r>
             <a:r>
               <a:rPr lang="en-US" dirty="0" err="1">
@@ -17196,7 +17228,7 @@
                   <a:schemeClr val="dk1"/>
                 </a:solidFill>
               </a:rPr>
-              <a:t> is set on the left, and you can see all the changes that happened in the relevant years: initial Rosh Hashana, and where it ended up (</a:t>
+              <a:t> is set on the left. You can see all the changes that happened in the relevant years: initial Rosh Hashana, and where it ended up (</a:t>
             </a:r>
             <a:r>
               <a:rPr lang="en-US" dirty="0">
@@ -17381,7 +17413,7 @@
                   <a:schemeClr val="dk1"/>
                 </a:solidFill>
               </a:rPr>
-              <a:t>You will see that one </a:t>
+              <a:t>You will see the </a:t>
             </a:r>
             <a:r>
               <a:rPr lang="en-US" dirty="0" err="1">
@@ -17413,7 +17445,7 @@
                   <a:schemeClr val="dk1"/>
                 </a:solidFill>
               </a:rPr>
-              <a:t> triggered the rest, as it passed an 18h mark for </a:t>
+              <a:t> that triggered the rest, as it passed an 18h mark (</a:t>
             </a:r>
             <a:r>
               <a:rPr lang="he-IL" dirty="0">
@@ -17429,7 +17461,23 @@
                   <a:schemeClr val="dk1"/>
                 </a:solidFill>
               </a:rPr>
-              <a:t>. In this case (2d 15h 589ch), it was last year’s </a:t>
+              <a:t>). In this case (2d 15h 589ch), it was </a:t>
+            </a:r>
+            <a:r>
+              <a:rPr lang="en-US" i="1" dirty="0">
+                <a:solidFill>
+                  <a:schemeClr val="dk1"/>
+                </a:solidFill>
+              </a:rPr>
+              <a:t>last</a:t>
+            </a:r>
+            <a:r>
+              <a:rPr lang="en-US" dirty="0">
+                <a:solidFill>
+                  <a:schemeClr val="dk1"/>
+                </a:solidFill>
+              </a:rPr>
+              <a:t> year’s </a:t>
             </a:r>
             <a:r>
               <a:rPr lang="en-US" dirty="0" err="1">
@@ -17445,7 +17493,7 @@
                   <a:schemeClr val="dk1"/>
                 </a:solidFill>
               </a:rPr>
-              <a:t>.</a:t>
+              <a:t> (fourth column).</a:t>
             </a:r>
           </a:p>
           <a:p>
@@ -17607,7 +17655,7 @@
                   <a:schemeClr val="dk1"/>
                 </a:solidFill>
               </a:rPr>
-              <a:t>In this way, you can easily see how each of the Tur’s transitions works.</a:t>
+              <a:t>In this way, you can see how each of the Tur’s transitions works.</a:t>
             </a:r>
           </a:p>
           <a:p>
@@ -17787,7 +17835,63 @@
                   <a:schemeClr val="dk1"/>
                 </a:solidFill>
               </a:rPr>
-              <a:t>See my presentation on “This Year’s Calendar” to see how the Jewish calendar is calculated.</a:t>
+              <a:t>See my presentation on “This Year’s Calendar”.</a:t>
+            </a:r>
+            <a:endParaRPr lang="en-US" dirty="0"/>
+          </a:p>
+          <a:p>
+            <a:pPr marL="457200" lvl="0" indent="-342900" algn="l" rtl="0">
+              <a:lnSpc>
+                <a:spcPct val="115000"/>
+              </a:lnSpc>
+              <a:spcBef>
+                <a:spcPts val="0"/>
+              </a:spcBef>
+              <a:spcAft>
+                <a:spcPts val="0"/>
+              </a:spcAft>
+              <a:buSzPts val="1800"/>
+              <a:buChar char="●"/>
+            </a:pPr>
+            <a:r>
+              <a:rPr lang="en-US" dirty="0">
+                <a:solidFill>
+                  <a:schemeClr val="dk1"/>
+                </a:solidFill>
+              </a:rPr>
+              <a:t>The Rambam says calculation of the fixed calendar began around the time of </a:t>
+            </a:r>
+            <a:r>
+              <a:rPr lang="en-US" dirty="0" err="1">
+                <a:solidFill>
+                  <a:schemeClr val="dk1"/>
+                </a:solidFill>
+              </a:rPr>
+              <a:t>Abaye</a:t>
+            </a:r>
+            <a:r>
+              <a:rPr lang="en-US" dirty="0">
+                <a:solidFill>
+                  <a:schemeClr val="dk1"/>
+                </a:solidFill>
+              </a:rPr>
+              <a:t> and </a:t>
+            </a:r>
+            <a:r>
+              <a:rPr lang="en-US" dirty="0" err="1">
+                <a:solidFill>
+                  <a:schemeClr val="dk1"/>
+                </a:solidFill>
+              </a:rPr>
+              <a:t>Rava</a:t>
+            </a:r>
+            <a:r>
+              <a:rPr lang="en-US" dirty="0">
+                <a:solidFill>
+                  <a:schemeClr val="dk1"/>
+                </a:solidFill>
+              </a:rPr>
+              <a:t>.</a:t>
             </a:r>
             <a:endParaRPr dirty="0"/>
           </a:p>
@@ -17811,7 +17915,69 @@
                   <a:schemeClr val="dk1"/>
                 </a:solidFill>
               </a:rPr>
-              <a:t>The Rambam says it began around the time of </a:t>
+              <a:t>The basic steps of calculating the calendar:</a:t>
+            </a:r>
+            <a:br>
+              <a:rPr lang="en-US" dirty="0">
+                <a:solidFill>
+                  <a:schemeClr val="dk1"/>
+                </a:solidFill>
+              </a:rPr>
+            </a:br>
+            <a:r>
+              <a:rPr lang="en-US" dirty="0">
+                <a:solidFill>
+                  <a:schemeClr val="dk1"/>
+                </a:solidFill>
+              </a:rPr>
+              <a:t>(a) Is the year is </a:t>
+            </a:r>
+            <a:r>
+              <a:rPr lang="he-IL" dirty="0">
+                <a:solidFill>
+                  <a:schemeClr val="dk1"/>
+                </a:solidFill>
+              </a:rPr>
+              <a:t>פשוטה</a:t>
+            </a:r>
+            <a:r>
+              <a:rPr lang="en-US" dirty="0">
+                <a:solidFill>
+                  <a:schemeClr val="dk1"/>
+                </a:solidFill>
+              </a:rPr>
+              <a:t> (regular) or </a:t>
+            </a:r>
+            <a:r>
+              <a:rPr lang="he-IL" dirty="0">
+                <a:solidFill>
+                  <a:schemeClr val="dk1"/>
+                </a:solidFill>
+              </a:rPr>
+              <a:t>מעוברת</a:t>
+            </a:r>
+            <a:r>
+              <a:rPr lang="en-US" dirty="0">
+                <a:solidFill>
+                  <a:schemeClr val="dk1"/>
+                </a:solidFill>
+              </a:rPr>
+              <a:t> (leap)? – 19 year cycle.</a:t>
+            </a:r>
+            <a:br>
+              <a:rPr lang="en-US" dirty="0">
+                <a:solidFill>
+                  <a:schemeClr val="dk1"/>
+                </a:solidFill>
+              </a:rPr>
+            </a:br>
+            <a:r>
+              <a:rPr lang="en-US" dirty="0">
+                <a:solidFill>
+                  <a:schemeClr val="dk1"/>
+                </a:solidFill>
+              </a:rPr>
+              <a:t>(b) When is the </a:t>
             </a:r>
             <a:r>
               <a:rPr lang="en-US" dirty="0" err="1">
@@ -17819,7 +17985,7 @@
                   <a:schemeClr val="dk1"/>
                 </a:solidFill>
               </a:rPr>
-              <a:t>Abaye</a:t>
+              <a:t>molad</a:t>
             </a:r>
             <a:r>
               <a:rPr lang="en-US" dirty="0">
@@ -17827,23 +17993,22 @@
                   <a:schemeClr val="dk1"/>
                 </a:solidFill>
               </a:rPr>
-              <a:t> and </a:t>
-            </a:r>
-            <a:r>
-              <a:rPr lang="en-US" dirty="0" err="1">
-                <a:solidFill>
-                  <a:schemeClr val="dk1"/>
-                </a:solidFill>
-              </a:rPr>
-              <a:t>Rava</a:t>
-            </a:r>
-            <a:r>
+              <a:t> for this year’s Rosh Hashana? - counting months from the beginning of time, and</a:t>
+            </a:r>
+            <a:br>
               <a:rPr lang="en-US" dirty="0">
                 <a:solidFill>
                   <a:schemeClr val="dk1"/>
                 </a:solidFill>
               </a:rPr>
-              <a:t>.</a:t>
+            </a:br>
+            <a:r>
+              <a:rPr lang="en-US" dirty="0">
+                <a:solidFill>
+                  <a:schemeClr val="dk1"/>
+                </a:solidFill>
+              </a:rPr>
+              <a:t>(c) Use that to decide on the actual calendar for the year.</a:t>
             </a:r>
             <a:endParaRPr dirty="0"/>
           </a:p>
@@ -17867,124 +18032,23 @@
                   <a:schemeClr val="dk1"/>
                 </a:solidFill>
               </a:rPr>
-              <a:t>The basic steps of the calendar are to figure out </a:t>
-            </a:r>
-            <a:br>
+              <a:t>Details are in “This Year’s Calendar”. Here I assume that the reader is familiar with the 19 year cycle and how to calculate the </a:t>
+            </a:r>
+            <a:r>
+              <a:rPr lang="en-US" dirty="0" err="1">
+                <a:solidFill>
+                  <a:schemeClr val="dk1"/>
+                </a:solidFill>
+              </a:rPr>
+              <a:t>molad</a:t>
+            </a:r>
+            <a:r>
               <a:rPr lang="en-US" dirty="0">
                 <a:solidFill>
                   <a:schemeClr val="dk1"/>
                 </a:solidFill>
               </a:rPr>
-            </a:br>
-            <a:r>
-              <a:rPr lang="en-US" dirty="0">
-                <a:solidFill>
-                  <a:schemeClr val="dk1"/>
-                </a:solidFill>
-              </a:rPr>
-              <a:t>(a) If the year is </a:t>
-            </a:r>
-            <a:r>
-              <a:rPr lang="he-IL" dirty="0">
-                <a:solidFill>
-                  <a:schemeClr val="dk1"/>
-                </a:solidFill>
-              </a:rPr>
-              <a:t>פשוטה</a:t>
-            </a:r>
-            <a:r>
-              <a:rPr lang="en-US" dirty="0">
-                <a:solidFill>
-                  <a:schemeClr val="dk1"/>
-                </a:solidFill>
-              </a:rPr>
-              <a:t> (regular) or </a:t>
-            </a:r>
-            <a:r>
-              <a:rPr lang="he-IL" dirty="0">
-                <a:solidFill>
-                  <a:schemeClr val="dk1"/>
-                </a:solidFill>
-              </a:rPr>
-              <a:t>מעוברת</a:t>
-            </a:r>
-            <a:r>
-              <a:rPr lang="en-US" dirty="0">
-                <a:solidFill>
-                  <a:schemeClr val="dk1"/>
-                </a:solidFill>
-              </a:rPr>
-              <a:t> (leap),</a:t>
-            </a:r>
-            <a:br>
-              <a:rPr lang="en-US" dirty="0">
-                <a:solidFill>
-                  <a:schemeClr val="dk1"/>
-                </a:solidFill>
-              </a:rPr>
-            </a:br>
-            <a:r>
-              <a:rPr lang="en-US" dirty="0">
-                <a:solidFill>
-                  <a:schemeClr val="dk1"/>
-                </a:solidFill>
-              </a:rPr>
-              <a:t>(b) When is the </a:t>
-            </a:r>
-            <a:r>
-              <a:rPr lang="en-US" dirty="0" err="1">
-                <a:solidFill>
-                  <a:schemeClr val="dk1"/>
-                </a:solidFill>
-              </a:rPr>
-              <a:t>molad</a:t>
-            </a:r>
-            <a:r>
-              <a:rPr lang="en-US" dirty="0">
-                <a:solidFill>
-                  <a:schemeClr val="dk1"/>
-                </a:solidFill>
-              </a:rPr>
-              <a:t> for this year’s Rosh Hashana, counting months from the beginning of time, and</a:t>
-            </a:r>
-            <a:br>
-              <a:rPr lang="en-US" dirty="0">
-                <a:solidFill>
-                  <a:schemeClr val="dk1"/>
-                </a:solidFill>
-              </a:rPr>
-            </a:br>
-            <a:r>
-              <a:rPr lang="en-US" dirty="0">
-                <a:solidFill>
-                  <a:schemeClr val="dk1"/>
-                </a:solidFill>
-              </a:rPr>
-              <a:t>(c) Using that to decide on the actual calendar for the year.</a:t>
-            </a:r>
-            <a:endParaRPr dirty="0"/>
-          </a:p>
-          <a:p>
-            <a:pPr marL="457200" lvl="0" indent="-342900" algn="l" rtl="0">
-              <a:lnSpc>
-                <a:spcPct val="115000"/>
-              </a:lnSpc>
-              <a:spcBef>
-                <a:spcPts val="0"/>
-              </a:spcBef>
-              <a:spcAft>
-                <a:spcPts val="0"/>
-              </a:spcAft>
-              <a:buSzPts val="1800"/>
-              <a:buChar char="●"/>
-            </a:pPr>
-            <a:r>
-              <a:rPr lang="en-US" dirty="0">
-                <a:solidFill>
-                  <a:schemeClr val="dk1"/>
-                </a:solidFill>
-              </a:rPr>
-              <a:t>See details in “This Year’s Calendar”.</a:t>
+              <a:t>.</a:t>
             </a:r>
             <a:endParaRPr dirty="0"/>
           </a:p>
@@ -18113,75 +18177,7 @@
                   <a:schemeClr val="dk1"/>
                 </a:solidFill>
               </a:rPr>
-              <a:t>Rambam, </a:t>
-            </a:r>
-            <a:r>
-              <a:rPr lang="en-US" dirty="0" err="1">
-                <a:solidFill>
-                  <a:schemeClr val="dk1"/>
-                </a:solidFill>
-              </a:rPr>
-              <a:t>Hilchos</a:t>
-            </a:r>
-            <a:r>
-              <a:rPr lang="en-US" dirty="0">
-                <a:solidFill>
-                  <a:schemeClr val="dk1"/>
-                </a:solidFill>
-              </a:rPr>
-              <a:t> Kiddush </a:t>
-            </a:r>
-            <a:r>
-              <a:rPr lang="en-US" dirty="0" err="1">
-                <a:solidFill>
-                  <a:schemeClr val="dk1"/>
-                </a:solidFill>
-              </a:rPr>
-              <a:t>Hachodesh</a:t>
-            </a:r>
-            <a:endParaRPr dirty="0">
-              <a:solidFill>
-                <a:schemeClr val="dk1"/>
-              </a:solidFill>
-            </a:endParaRPr>
-          </a:p>
-          <a:p>
-            <a:pPr marL="457200" lvl="0" indent="-342900" algn="l" rtl="0">
-              <a:lnSpc>
-                <a:spcPct val="115000"/>
-              </a:lnSpc>
-              <a:spcBef>
-                <a:spcPts val="0"/>
-              </a:spcBef>
-              <a:spcAft>
-                <a:spcPts val="0"/>
-              </a:spcAft>
-              <a:buSzPts val="1800"/>
-              <a:buChar char="●"/>
-            </a:pPr>
-            <a:r>
-              <a:rPr lang="en-US" dirty="0">
-                <a:solidFill>
-                  <a:schemeClr val="dk1"/>
-                </a:solidFill>
-              </a:rPr>
-              <a:t>Tur, </a:t>
-            </a:r>
-            <a:r>
-              <a:rPr lang="en-US" dirty="0" err="1">
-                <a:solidFill>
-                  <a:schemeClr val="dk1"/>
-                </a:solidFill>
-              </a:rPr>
-              <a:t>Orach</a:t>
-            </a:r>
-            <a:r>
-              <a:rPr lang="en-US" dirty="0">
-                <a:solidFill>
-                  <a:schemeClr val="dk1"/>
-                </a:solidFill>
-              </a:rPr>
-              <a:t> Chaim, 428. The chart there is the basis of the </a:t>
+              <a:t>Tur, Orach Chaim, 428. The chart there is the basis of the </a:t>
             </a:r>
             <a:r>
               <a:rPr lang="en-US" dirty="0" err="1">
@@ -18392,7 +18388,48 @@
                   <a:schemeClr val="dk1"/>
                 </a:solidFill>
               </a:rPr>
-              <a:t>This presentation and that app are available on https://github.com/MichoelR/Keviyus/tree/master/FourGates</a:t>
+              <a:t>This presentation and the Four Gates app are available on </a:t>
+            </a:r>
+            <a:r>
+              <a:rPr lang="en-US" dirty="0">
+                <a:solidFill>
+                  <a:schemeClr val="dk1"/>
+                </a:solidFill>
+                <a:hlinkClick r:id="rId3"/>
+              </a:rPr>
+              <a:t>https://github.com/MichoelR/Keviyus/tree/master/FourGates</a:t>
+            </a:r>
+            <a:r>
+              <a:rPr lang="en-US" dirty="0">
+                <a:solidFill>
+                  <a:schemeClr val="dk1"/>
+                </a:solidFill>
+              </a:rPr>
+              <a:t> and</a:t>
+            </a:r>
+          </a:p>
+          <a:p>
+            <a:pPr marL="457200" lvl="0" indent="-342900" algn="l" rtl="0">
+              <a:lnSpc>
+                <a:spcPct val="115000"/>
+              </a:lnSpc>
+              <a:spcBef>
+                <a:spcPts val="0"/>
+              </a:spcBef>
+              <a:spcAft>
+                <a:spcPts val="0"/>
+              </a:spcAft>
+              <a:buSzPts val="1800"/>
+              <a:buChar char="●"/>
+            </a:pPr>
+            <a:r>
+              <a:rPr lang="en-US" dirty="0">
+                <a:solidFill>
+                  <a:schemeClr val="dk1"/>
+                </a:solidFill>
+                <a:hlinkClick r:id="rId4"/>
+              </a:rPr>
+              <a:t>https://drive.google.com/drive/folders/1a1V1rV5Pg-ZidLweWUIJk_-8f5r7Dgwm</a:t>
             </a:r>
             <a:endParaRPr dirty="0">
               <a:solidFill>
@@ -18519,7 +18556,7 @@
           </a:bodyPr>
           <a:lstStyle/>
           <a:p>
-            <a:pPr marL="457200" lvl="0" indent="-342900" algn="l" rtl="0">
+            <a:pPr marL="114300" lvl="0" indent="0" algn="l" rtl="0">
               <a:lnSpc>
                 <a:spcPct val="115000"/>
               </a:lnSpc>
@@ -18530,7 +18567,7 @@
                 <a:spcPts val="0"/>
               </a:spcAft>
               <a:buSzPts val="1800"/>
-              <a:buChar char="●"/>
+              <a:buNone/>
             </a:pPr>
             <a:r>
               <a:rPr lang="en-US" dirty="0">
@@ -18554,7 +18591,7 @@
                   <a:schemeClr val="dk1"/>
                 </a:solidFill>
               </a:rPr>
-              <a:t> falls.</a:t>
+              <a:t> falls. But -</a:t>
             </a:r>
           </a:p>
           <a:p>
@@ -18881,7 +18918,7 @@
           </a:bodyPr>
           <a:lstStyle/>
           <a:p>
-            <a:pPr marL="457200" lvl="0" indent="-342900" algn="l" rtl="0">
+            <a:pPr marL="114300" lvl="0" indent="0" algn="l" rtl="0">
               <a:lnSpc>
                 <a:spcPct val="115000"/>
               </a:lnSpc>
@@ -18892,7 +18929,7 @@
                 <a:spcPts val="0"/>
               </a:spcAft>
               <a:buSzPts val="1800"/>
-              <a:buChar char="●"/>
+              <a:buNone/>
             </a:pPr>
             <a:r>
               <a:rPr lang="en-US" dirty="0">
@@ -18921,12 +18958,28 @@
           </a:p>
           <a:p>
             <a:r>
+              <a:rPr lang="he-IL" b="1" dirty="0">
+                <a:solidFill>
+                  <a:schemeClr val="tx1"/>
+                </a:solidFill>
+              </a:rPr>
+              <a:t>שו"ח כה"ז חד"ו</a:t>
+            </a:r>
+            <a:r>
               <a:rPr lang="en-US" dirty="0">
                 <a:solidFill>
-                  <a:schemeClr val="dk1"/>
-                </a:solidFill>
-              </a:rPr>
-              <a:t>The </a:t>
+                  <a:schemeClr val="tx1"/>
+                </a:solidFill>
+              </a:rPr>
+              <a:t> - </a:t>
+            </a:r>
+            <a:r>
+              <a:rPr lang="en-US" dirty="0">
+                <a:solidFill>
+                  <a:schemeClr val="dk1"/>
+                </a:solidFill>
+              </a:rPr>
+              <a:t>the </a:t>
             </a:r>
             <a:r>
               <a:rPr lang="en-US" i="1" dirty="0">
@@ -18942,32 +18995,13 @@
                   <a:schemeClr val="dk1"/>
                 </a:solidFill>
               </a:rPr>
-              <a:t> system described in the writings of the </a:t>
-            </a:r>
-            <a:r>
-              <a:rPr lang="en-US" dirty="0" err="1">
-                <a:solidFill>
-                  <a:schemeClr val="dk1"/>
-                </a:solidFill>
-              </a:rPr>
-              <a:t>Gaonim</a:t>
-            </a:r>
-            <a:r>
-              <a:rPr lang="en-US" dirty="0">
-                <a:solidFill>
-                  <a:schemeClr val="dk1"/>
-                </a:solidFill>
-              </a:rPr>
-              <a:t>: </a:t>
-            </a:r>
-            <a:r>
-              <a:rPr lang="he-IL" b="1" dirty="0">
-                <a:solidFill>
-                  <a:schemeClr val="tx1"/>
-                </a:solidFill>
-              </a:rPr>
-              <a:t>שו"ח כה"ז חד"ו </a:t>
-            </a:r>
+              <a:t> system described in the writings of the Gaonim.</a:t>
+            </a:r>
+            <a:endParaRPr lang="he-IL" b="1" dirty="0">
+              <a:solidFill>
+                <a:schemeClr val="tx1"/>
+              </a:solidFill>
+            </a:endParaRPr>
           </a:p>
           <a:p>
             <a:pPr marL="457200" lvl="0" indent="-342900" algn="l" rtl="0">
@@ -19201,10 +19235,10 @@
               <a:buNone/>
             </a:pPr>
             <a:r>
-              <a:rPr lang="en-US"/>
-              <a:t>Length of year - summary</a:t>
-            </a:r>
-            <a:endParaRPr/>
+              <a:rPr lang="en-US" dirty="0"/>
+              <a:t>Allowable length of year - summary</a:t>
+            </a:r>
+            <a:endParaRPr dirty="0"/>
           </a:p>
         </p:txBody>
       </p:sp>
@@ -19874,14 +19908,14 @@
                         <a:buNone/>
                       </a:pPr>
                       <a:r>
-                        <a:rPr lang="en-US" sz="1800" b="1" u="none" strike="noStrike" cap="none">
+                        <a:rPr lang="en-US" sz="1800" b="1" u="none" strike="noStrike" cap="none" dirty="0" err="1">
                           <a:solidFill>
                             <a:schemeClr val="dk1"/>
                           </a:solidFill>
                         </a:rPr>
                         <a:t>מעוברת</a:t>
                       </a:r>
-                      <a:endParaRPr sz="1800" b="1" u="none" strike="noStrike" cap="none">
+                      <a:endParaRPr sz="1800" b="1" u="none" strike="noStrike" cap="none" dirty="0">
                         <a:solidFill>
                           <a:schemeClr val="dk1"/>
                         </a:solidFill>
@@ -20103,14 +20137,14 @@
                         <a:buNone/>
                       </a:pPr>
                       <a:r>
-                        <a:rPr lang="en-US" sz="1800" u="none" strike="noStrike" cap="none">
+                        <a:rPr lang="en-US" sz="1800" u="none" strike="noStrike" cap="none" dirty="0">
                           <a:solidFill>
                             <a:schemeClr val="dk1"/>
                           </a:solidFill>
                         </a:rPr>
                         <a:t>5 day shift (383 days)</a:t>
                       </a:r>
-                      <a:endParaRPr/>
+                      <a:endParaRPr dirty="0"/>
                     </a:p>
                   </a:txBody>
                   <a:tcPr marL="91450" marR="91450" marT="45725" marB="45725">
@@ -20332,15 +20366,15 @@
                   <a:schemeClr val="dk1"/>
                 </a:solidFill>
               </a:rPr>
-              <a:t>Somewhat confusingly, the </a:t>
-            </a:r>
-            <a:r>
-              <a:rPr lang="en-US" dirty="0" err="1">
-                <a:solidFill>
-                  <a:schemeClr val="dk1"/>
-                </a:solidFill>
-              </a:rPr>
-              <a:t>Gaonim</a:t>
+              <a:t>Somewhat confusingly, the Gaonim counted the shifts </a:t>
+            </a:r>
+            <a:r>
+              <a:rPr lang="en-US" i="1" dirty="0">
+                <a:solidFill>
+                  <a:schemeClr val="dk1"/>
+                </a:solidFill>
+              </a:rPr>
+              <a:t>inclusively</a:t>
             </a:r>
             <a:r>
               <a:rPr lang="en-US" dirty="0">
@@ -20348,23 +20382,7 @@
                   <a:schemeClr val="dk1"/>
                 </a:solidFill>
               </a:rPr>
-              <a:t> counted the shifts </a:t>
-            </a:r>
-            <a:r>
-              <a:rPr lang="en-US" i="1" dirty="0">
-                <a:solidFill>
-                  <a:schemeClr val="dk1"/>
-                </a:solidFill>
-              </a:rPr>
-              <a:t>inclusively</a:t>
-            </a:r>
-            <a:r>
-              <a:rPr lang="en-US" dirty="0">
-                <a:solidFill>
-                  <a:schemeClr val="dk1"/>
-                </a:solidFill>
-              </a:rPr>
-              <a:t>, counting the beginning and the ending day.</a:t>
+              <a:t>, including both the beginning and the ending day.</a:t>
             </a:r>
           </a:p>
           <a:p>
@@ -20432,7 +20450,119 @@
                   <a:schemeClr val="dk1"/>
                 </a:solidFill>
               </a:rPr>
-              <a:t>. So to summarize, </a:t>
+              <a:t>.</a:t>
+            </a:r>
+          </a:p>
+          <a:p>
+            <a:r>
+              <a:rPr lang="he-IL" b="1" dirty="0">
+                <a:solidFill>
+                  <a:schemeClr val="dk1"/>
+                </a:solidFill>
+              </a:rPr>
+              <a:t>ש</a:t>
+            </a:r>
+            <a:r>
+              <a:rPr lang="en-US" dirty="0">
+                <a:solidFill>
+                  <a:schemeClr val="dk1"/>
+                </a:solidFill>
+              </a:rPr>
+              <a:t> is a long year, </a:t>
+            </a:r>
+            <a:r>
+              <a:rPr lang="he-IL" dirty="0">
+                <a:solidFill>
+                  <a:schemeClr val="dk1"/>
+                </a:solidFill>
+              </a:rPr>
+              <a:t>שלימה</a:t>
+            </a:r>
+            <a:r>
+              <a:rPr lang="en-US" dirty="0">
+                <a:solidFill>
+                  <a:schemeClr val="dk1"/>
+                </a:solidFill>
+              </a:rPr>
+              <a:t>. </a:t>
+            </a:r>
+            <a:r>
+              <a:rPr lang="he-IL" b="1" dirty="0">
+                <a:solidFill>
+                  <a:schemeClr val="dk1"/>
+                </a:solidFill>
+              </a:rPr>
+              <a:t>כ</a:t>
+            </a:r>
+            <a:r>
+              <a:rPr lang="en-US" dirty="0">
+                <a:solidFill>
+                  <a:schemeClr val="dk1"/>
+                </a:solidFill>
+              </a:rPr>
+              <a:t> is a medium year, </a:t>
+            </a:r>
+            <a:r>
+              <a:rPr lang="he-IL" dirty="0">
+                <a:solidFill>
+                  <a:schemeClr val="dk1"/>
+                </a:solidFill>
+              </a:rPr>
+              <a:t>כסידרן</a:t>
+            </a:r>
+            <a:r>
+              <a:rPr lang="en-US" dirty="0">
+                <a:solidFill>
+                  <a:schemeClr val="dk1"/>
+                </a:solidFill>
+              </a:rPr>
+              <a:t>. And </a:t>
+            </a:r>
+            <a:r>
+              <a:rPr lang="he-IL" b="1" dirty="0">
+                <a:solidFill>
+                  <a:schemeClr val="dk1"/>
+                </a:solidFill>
+              </a:rPr>
+              <a:t>ח</a:t>
+            </a:r>
+            <a:r>
+              <a:rPr lang="en-US" dirty="0">
+                <a:solidFill>
+                  <a:schemeClr val="dk1"/>
+                </a:solidFill>
+              </a:rPr>
+              <a:t> is a short year, </a:t>
+            </a:r>
+            <a:r>
+              <a:rPr lang="he-IL" dirty="0">
+                <a:solidFill>
+                  <a:schemeClr val="dk1"/>
+                </a:solidFill>
+              </a:rPr>
+              <a:t>חסרה</a:t>
+            </a:r>
+            <a:r>
+              <a:rPr lang="en-US" dirty="0">
+                <a:solidFill>
+                  <a:schemeClr val="dk1"/>
+                </a:solidFill>
+              </a:rPr>
+              <a:t>.</a:t>
+            </a:r>
+            <a:endParaRPr lang="he-IL" dirty="0"/>
+          </a:p>
+          <a:p>
+            <a:pPr marL="114300" indent="0">
+              <a:buNone/>
+            </a:pPr>
+            <a:r>
+              <a:rPr lang="en-US" dirty="0">
+                <a:solidFill>
+                  <a:schemeClr val="dk1"/>
+                </a:solidFill>
+              </a:rPr>
+              <a:t>To summarize: </a:t>
             </a:r>
             <a:r>
               <a:rPr lang="he-IL" b="1" dirty="0">
@@ -20545,107 +20675,8 @@
                   <a:schemeClr val="dk1"/>
                 </a:solidFill>
               </a:rPr>
-              <a:t>.</a:t>
-            </a:r>
-          </a:p>
-          <a:p>
-            <a:r>
-              <a:rPr lang="he-IL" b="1" dirty="0">
-                <a:solidFill>
-                  <a:schemeClr val="dk1"/>
-                </a:solidFill>
-              </a:rPr>
-              <a:t>ש</a:t>
-            </a:r>
-            <a:r>
-              <a:rPr lang="en-US" dirty="0">
-                <a:solidFill>
-                  <a:schemeClr val="dk1"/>
-                </a:solidFill>
-              </a:rPr>
-              <a:t> is for a long year, </a:t>
-            </a:r>
-            <a:r>
-              <a:rPr lang="he-IL" dirty="0">
-                <a:solidFill>
-                  <a:schemeClr val="dk1"/>
-                </a:solidFill>
-              </a:rPr>
-              <a:t>שלימה</a:t>
-            </a:r>
-            <a:r>
-              <a:rPr lang="en-US" dirty="0">
-                <a:solidFill>
-                  <a:schemeClr val="dk1"/>
-                </a:solidFill>
-              </a:rPr>
-              <a:t>. </a:t>
-            </a:r>
-            <a:r>
-              <a:rPr lang="he-IL" b="1" dirty="0">
-                <a:solidFill>
-                  <a:schemeClr val="dk1"/>
-                </a:solidFill>
-              </a:rPr>
-              <a:t>כ</a:t>
-            </a:r>
-            <a:r>
-              <a:rPr lang="en-US" dirty="0">
-                <a:solidFill>
-                  <a:schemeClr val="dk1"/>
-                </a:solidFill>
-              </a:rPr>
-              <a:t> is for a medium year, </a:t>
-            </a:r>
-            <a:r>
-              <a:rPr lang="he-IL" dirty="0">
-                <a:solidFill>
-                  <a:schemeClr val="dk1"/>
-                </a:solidFill>
-              </a:rPr>
-              <a:t>כסידרן</a:t>
-            </a:r>
-            <a:r>
-              <a:rPr lang="en-US" dirty="0">
-                <a:solidFill>
-                  <a:schemeClr val="dk1"/>
-                </a:solidFill>
-              </a:rPr>
-              <a:t>. And </a:t>
-            </a:r>
-            <a:r>
-              <a:rPr lang="he-IL" b="1" dirty="0">
-                <a:solidFill>
-                  <a:schemeClr val="dk1"/>
-                </a:solidFill>
-              </a:rPr>
-              <a:t>ח</a:t>
-            </a:r>
-            <a:r>
-              <a:rPr lang="en-US" dirty="0">
-                <a:solidFill>
-                  <a:schemeClr val="dk1"/>
-                </a:solidFill>
-              </a:rPr>
-              <a:t> is for a short year, </a:t>
-            </a:r>
-            <a:r>
-              <a:rPr lang="he-IL" dirty="0">
-                <a:solidFill>
-                  <a:schemeClr val="dk1"/>
-                </a:solidFill>
-              </a:rPr>
-              <a:t>חסרה</a:t>
-            </a:r>
-            <a:r>
-              <a:rPr lang="en-US" dirty="0">
-                <a:solidFill>
-                  <a:schemeClr val="dk1"/>
-                </a:solidFill>
-              </a:rPr>
-              <a:t>.</a:t>
-            </a:r>
-            <a:endParaRPr lang="he-IL" dirty="0"/>
+              <a:t>, a mnemonic for remembering the allowable year lengths.</a:t>
+            </a:r>
           </a:p>
           <a:p>
             <a:pPr marL="457200" lvl="0" indent="-342900" algn="l" rtl="0">
@@ -20983,23 +21014,7 @@
                   <a:schemeClr val="dk1"/>
                 </a:solidFill>
               </a:rPr>
-              <a:t>Check the resulting lengths of last year, this year, and next year, using the rule </a:t>
-            </a:r>
-            <a:r>
-              <a:rPr lang="he-IL" dirty="0">
-                <a:solidFill>
-                  <a:schemeClr val="tx1"/>
-                </a:solidFill>
-              </a:rPr>
-              <a:t>שו"ח כה"ז חד"ו</a:t>
-            </a:r>
-            <a:r>
-              <a:rPr lang="en-US" dirty="0">
-                <a:solidFill>
-                  <a:schemeClr val="tx1"/>
-                </a:solidFill>
-              </a:rPr>
-              <a:t>.</a:t>
+              <a:t>Check the resulting lengths of last year, this year, and next year.</a:t>
             </a:r>
           </a:p>
           <a:p>
@@ -21022,7 +21037,31 @@
                   <a:schemeClr val="dk1"/>
                 </a:solidFill>
               </a:rPr>
-              <a:t>If any one is too long, move the day of Rosh Hashana at its beginning forward one day to adjust. If that violates </a:t>
+              <a:t>Use the rule </a:t>
+            </a:r>
+            <a:r>
+              <a:rPr lang="he-IL" dirty="0">
+                <a:solidFill>
+                  <a:schemeClr val="tx1"/>
+                </a:solidFill>
+              </a:rPr>
+              <a:t>שו"ח כה"ז חד"ו</a:t>
+            </a:r>
+            <a:r>
+              <a:rPr lang="en-US" dirty="0">
+                <a:solidFill>
+                  <a:schemeClr val="tx1"/>
+                </a:solidFill>
+              </a:rPr>
+              <a:t>. I</a:t>
+            </a:r>
+            <a:r>
+              <a:rPr lang="en-US" dirty="0">
+                <a:solidFill>
+                  <a:schemeClr val="dk1"/>
+                </a:solidFill>
+              </a:rPr>
+              <a:t>f any one is too long, move the day of Rosh Hashana at its beginning forward one day to adjust. If that violates </a:t>
             </a:r>
             <a:r>
               <a:rPr lang="he-IL" dirty="0">
@@ -21270,7 +21309,7 @@
                   <a:schemeClr val="dk1"/>
                 </a:solidFill>
               </a:rPr>
-              <a:t>You might think that these adjustments could have a knock-on effect, messing up the length of the next year over. That turns out never to happen; you never need to do it more than once.</a:t>
+              <a:t>You might think that adjustments like that could have a knock-on effect, messing up the length of the next year over. That turns out never to happen; you never need to do it more than once.</a:t>
             </a:r>
           </a:p>
           <a:p>
@@ -21297,7 +21336,7 @@
                   <a:schemeClr val="dk1"/>
                 </a:solidFill>
               </a:rPr>
-              <a:t>year, we still need to work out the </a:t>
+              <a:t>year, for this year’s calendar, we still need to work out the </a:t>
             </a:r>
             <a:r>
               <a:rPr lang="en-US" dirty="0" err="1">

--- a/FourGates/FourGates.pptx
+++ b/FourGates/FourGates.pptx
@@ -289,7 +289,7 @@
       <p15:notesGuideLst xmlns:p15="http://schemas.microsoft.com/office/powerpoint/2012/main"/>
     </p:ext>
     <p:ext uri="http://customooxmlschemas.google.com/">
-      <go:slidesCustomData xmlns:go="http://customooxmlschemas.google.com/" xmlns:ahyp="http://schemas.microsoft.com/office/drawing/2018/hyperlinkcolor" xmlns:p15="http://schemas.microsoft.com/office/powerpoint/2012/main" xmlns:p14="http://schemas.microsoft.com/office/powerpoint/2010/main" xmlns:com="http://schemas.openxmlformats.org/drawingml/2006/compatibility" xmlns:pvml="urn:schemas-microsoft-com:office:powerpoint" xmlns:v="urn:schemas-microsoft-com:vml" xmlns:o="urn:schemas-microsoft-com:office:office" xmlns:dgm="http://schemas.openxmlformats.org/drawingml/2006/diagram" xmlns:c="http://schemas.openxmlformats.org/drawingml/2006/chart" xmlns:mv="urn:schemas-microsoft-com:mac:vml" xmlns:mc="http://schemas.openxmlformats.org/markup-compatibility/2006" xmlns="" r:id="rId84" roundtripDataSignature="AMtx7mjWAUdR7GAsra11wdbxDMbs6FfeWw=="/>
+      <go:slidesCustomData xmlns="" xmlns:mc="http://schemas.openxmlformats.org/markup-compatibility/2006" xmlns:mv="urn:schemas-microsoft-com:mac:vml" xmlns:c="http://schemas.openxmlformats.org/drawingml/2006/chart" xmlns:dgm="http://schemas.openxmlformats.org/drawingml/2006/diagram" xmlns:o="urn:schemas-microsoft-com:office:office" xmlns:v="urn:schemas-microsoft-com:vml" xmlns:pvml="urn:schemas-microsoft-com:office:powerpoint" xmlns:com="http://schemas.openxmlformats.org/drawingml/2006/compatibility" xmlns:p14="http://schemas.microsoft.com/office/powerpoint/2010/main" xmlns:p15="http://schemas.microsoft.com/office/powerpoint/2012/main" xmlns:ahyp="http://schemas.microsoft.com/office/drawing/2018/hyperlinkcolor" xmlns:go="http://customooxmlschemas.google.com/" r:id="rId84" roundtripDataSignature="AMtx7mjWAUdR7GAsra11wdbxDMbs6FfeWw=="/>
     </p:ext>
   </p:extLst>
 </p:presentation>
@@ -12357,7 +12357,7 @@
                   <a:schemeClr val="dk1"/>
                 </a:solidFill>
               </a:rPr>
-              <a:t>The Gaonim saw that these adjustments actually only happen in two cases:</a:t>
+              <a:t>The Gaonim saw that these adjustments are rare, actually only happen in two cases:</a:t>
             </a:r>
           </a:p>
           <a:p>
@@ -12869,22 +12869,38 @@
               </a:rPr>
               <a:t>ג"ט ר"ד</a:t>
             </a:r>
-          </a:p>
-          <a:p>
-            <a:pPr lvl="0"/>
-            <a:r>
-              <a:rPr lang="he-IL" dirty="0">
-                <a:solidFill>
-                  <a:schemeClr val="dk1"/>
-                </a:solidFill>
-              </a:rPr>
-              <a:t>בט"ו תקפ"ט</a:t>
-            </a:r>
-            <a:endParaRPr lang="en-US" dirty="0">
+            <a:r>
+              <a:rPr lang="en-US" dirty="0">
+                <a:solidFill>
+                  <a:schemeClr val="dk1"/>
+                </a:solidFill>
+              </a:rPr>
+              <a:t> for regular years</a:t>
+            </a:r>
+            <a:endParaRPr lang="he-IL" dirty="0">
               <a:solidFill>
                 <a:schemeClr val="dk1"/>
               </a:solidFill>
             </a:endParaRPr>
+          </a:p>
+          <a:p>
+            <a:pPr lvl="0"/>
+            <a:r>
+              <a:rPr lang="he-IL" dirty="0">
+                <a:solidFill>
+                  <a:schemeClr val="dk1"/>
+                </a:solidFill>
+              </a:rPr>
+              <a:t>בט"ו תקפ"ט</a:t>
+            </a:r>
+            <a:r>
+              <a:rPr lang="en-US" dirty="0">
+                <a:solidFill>
+                  <a:schemeClr val="dk1"/>
+                </a:solidFill>
+              </a:rPr>
+              <a:t> for leap years</a:t>
+            </a:r>
           </a:p>
           <a:p>
             <a:pPr marL="114300" lvl="0" indent="0">
@@ -12919,7 +12935,7 @@
                   <a:schemeClr val="dk1"/>
                 </a:solidFill>
               </a:rPr>
-              <a:t>Now we just calculate the </a:t>
+              <a:t>Now we only need to calculate the </a:t>
             </a:r>
             <a:r>
               <a:rPr lang="en-US" dirty="0" err="1">
@@ -13564,7 +13580,7 @@
                   <a:schemeClr val="dk1"/>
                 </a:solidFill>
               </a:rPr>
-              <a:t>,</a:t>
+              <a:t>, and</a:t>
             </a:r>
           </a:p>
           <a:p>
@@ -13587,7 +13603,7 @@
                   <a:schemeClr val="dk1"/>
                 </a:solidFill>
               </a:rPr>
-              <a:t>And from the 19 year cycle: Of last year, this year, and next year, which are regular (</a:t>
+              <a:t>from the 19 year cycle: Of last year, this year, and next year, which are regular (</a:t>
             </a:r>
             <a:r>
               <a:rPr lang="he-IL" dirty="0">
@@ -13667,7 +13683,7 @@
                   <a:schemeClr val="dk1"/>
                 </a:solidFill>
               </a:rPr>
-              <a:t> means a leap year in the middle, this year.</a:t>
+              <a:t> means this is a leap year in the middle between two regular years.</a:t>
             </a:r>
           </a:p>
           <a:p>
@@ -13771,8 +13787,8 @@
         </p:blipFill>
         <p:spPr>
           <a:xfrm>
-            <a:off x="1452283" y="0"/>
-            <a:ext cx="6391835" cy="5085567"/>
+            <a:off x="1539966" y="106472"/>
+            <a:ext cx="6282538" cy="5037028"/>
           </a:xfrm>
           <a:prstGeom prst="rect">
             <a:avLst/>
@@ -13793,7 +13809,7 @@
         </p:nvCxnSpPr>
         <p:spPr>
           <a:xfrm flipV="1">
-            <a:off x="1636966" y="4567410"/>
+            <a:off x="1636966" y="4473465"/>
             <a:ext cx="4914140" cy="1"/>
           </a:xfrm>
           <a:prstGeom prst="straightConnector1">
@@ -13874,8 +13890,8 @@
         </p:nvSpPr>
         <p:spPr>
           <a:xfrm>
-            <a:off x="6588692" y="4181614"/>
-            <a:ext cx="510613" cy="231908"/>
+            <a:off x="6601218" y="4162825"/>
+            <a:ext cx="471313" cy="231908"/>
           </a:xfrm>
           <a:prstGeom prst="roundRect">
             <a:avLst>
@@ -13934,7 +13950,7 @@
         <p:spPr>
           <a:xfrm>
             <a:off x="6551106" y="1066241"/>
-            <a:ext cx="0" cy="3501169"/>
+            <a:ext cx="9130" cy="3399288"/>
           </a:xfrm>
           <a:prstGeom prst="straightConnector1">
             <a:avLst/>
@@ -13959,7 +13975,7 @@
         </p:nvSpPr>
         <p:spPr>
           <a:xfrm>
-            <a:off x="275192" y="4413522"/>
+            <a:off x="268929" y="4319576"/>
             <a:ext cx="1452282" cy="307777"/>
           </a:xfrm>
           <a:prstGeom prst="rect">
@@ -14589,7 +14605,7 @@
                   <a:schemeClr val="dk1"/>
                 </a:solidFill>
               </a:rPr>
-              <a:t> of last year, this year, next year.</a:t>
+              <a:t> of last year, this year, next year, respectively.</a:t>
             </a:r>
           </a:p>
           <a:p>
@@ -14631,7 +14647,23 @@
                   <a:schemeClr val="dk1"/>
                 </a:solidFill>
               </a:rPr>
-              <a:t>, 12 lunar months or 13. Once you’ve chosen this year in the 19-year cycle, all that is determined.</a:t>
+              <a:t>, 12 lunar months or 13. Once you’ve chosen this year in the 19-year cycle, all that is determined, and all the </a:t>
+            </a:r>
+            <a:r>
+              <a:rPr lang="en-US" dirty="0" err="1">
+                <a:solidFill>
+                  <a:schemeClr val="dk1"/>
+                </a:solidFill>
+              </a:rPr>
+              <a:t>molads</a:t>
+            </a:r>
+            <a:r>
+              <a:rPr lang="en-US" dirty="0">
+                <a:solidFill>
+                  <a:schemeClr val="dk1"/>
+                </a:solidFill>
+              </a:rPr>
+              <a:t> will move together.</a:t>
             </a:r>
           </a:p>
         </p:txBody>
@@ -14787,7 +14819,7 @@
                   <a:schemeClr val="dk1"/>
                 </a:solidFill>
               </a:rPr>
-              <a:t>. At that point a lot of things can happen.</a:t>
+              <a:t>.</a:t>
             </a:r>
           </a:p>
           <a:p>
@@ -14797,7 +14829,7 @@
                   <a:schemeClr val="dk1"/>
                 </a:solidFill>
               </a:rPr>
-              <a:t>Its Rosh Hashana shifts by a day (maybe two because of </a:t>
+              <a:t>At that point its Rosh Hashana shifts by a day (maybe two because of </a:t>
             </a:r>
             <a:r>
               <a:rPr lang="he-IL" dirty="0">
@@ -15840,7 +15872,7 @@
                   <a:schemeClr val="dk1"/>
                 </a:solidFill>
               </a:rPr>
-              <a:t> – the green triangle in the third column on the left – to change the </a:t>
+              <a:t> – the green triangle in the third column from the left – to change the </a:t>
             </a:r>
             <a:r>
               <a:rPr lang="en-US" dirty="0" err="1">
@@ -15864,7 +15896,7 @@
                   <a:schemeClr val="dk1"/>
                 </a:solidFill>
               </a:rPr>
-              <a:t>molads</a:t>
+              <a:t>molad</a:t>
             </a:r>
             <a:r>
               <a:rPr lang="en-US" dirty="0">
@@ -15872,7 +15904,7 @@
                   <a:schemeClr val="dk1"/>
                 </a:solidFill>
               </a:rPr>
-              <a:t> keep track.</a:t>
+              <a:t> pointers keep track.</a:t>
             </a:r>
           </a:p>
           <a:p>
@@ -16292,7 +16324,7 @@
                   <a:schemeClr val="dk1"/>
                 </a:solidFill>
               </a:rPr>
-              <a:t>hand-size adjust, because the lengths of the years changed.</a:t>
+              <a:t>hand-side adjust, because the lengths of the years changed.</a:t>
             </a:r>
           </a:p>
           <a:p>
@@ -16470,7 +16502,7 @@
                   <a:schemeClr val="dk1"/>
                 </a:solidFill>
               </a:rPr>
-              <a:t> (red), and this year’s type (green), to the actual calendar for the year. Here that is </a:t>
+              <a:t> (red), and this year’s year type (green), to the actual calendar for that year. Here it is </a:t>
             </a:r>
             <a:r>
               <a:rPr lang="he-IL" dirty="0">
@@ -16696,7 +16728,7 @@
                   <a:schemeClr val="dk1"/>
                 </a:solidFill>
               </a:rPr>
-              <a:t> - and give the correct calendar - for that year. This year:</a:t>
+              <a:t> for that year - and give the correct calendar. This year:</a:t>
             </a:r>
           </a:p>
           <a:p>
@@ -16858,7 +16890,7 @@
                   <a:schemeClr val="dk1"/>
                 </a:solidFill>
               </a:rPr>
-              <a:t>Okay, let’s look at those transitions! These are the </a:t>
+              <a:t>Okay, let’s look at those transitions from the Tur! These are the </a:t>
             </a:r>
             <a:r>
               <a:rPr lang="en-US" dirty="0" err="1">
@@ -16890,7 +16922,7 @@
                   <a:schemeClr val="dk1"/>
                 </a:solidFill>
               </a:rPr>
-              <a:t>”. Hover over one of them!</a:t>
+              <a:t>”. Hover over one of them for its story.</a:t>
             </a:r>
           </a:p>
           <a:p>
@@ -17246,7 +17278,7 @@
                   <a:schemeClr val="dk1"/>
                 </a:solidFill>
               </a:rPr>
-              <a:t> bar).</a:t>
+              <a:t> bar(s)).</a:t>
             </a:r>
             <a:endParaRPr lang="en-US" i="1" dirty="0">
               <a:solidFill>
@@ -20405,8 +20437,15 @@
                   <a:schemeClr val="dk1"/>
                 </a:solidFill>
               </a:rPr>
-              <a:t>So the shift of 3, 4, or 5 days for a regular year, they called it 4, 5, 6 days: </a:t>
-            </a:r>
+              <a:t>So the shift of 3, 4, or 5 days for a regular year, they called 4, 5, 6 days:</a:t>
+            </a:r>
+            <a:br>
+              <a:rPr lang="en-US" dirty="0">
+                <a:solidFill>
+                  <a:schemeClr val="dk1"/>
+                </a:solidFill>
+              </a:rPr>
+            </a:br>
             <a:r>
               <a:rPr lang="he-IL" dirty="0">
                 <a:solidFill>
@@ -20421,7 +20460,7 @@
                   <a:schemeClr val="dk1"/>
                 </a:solidFill>
               </a:rPr>
-              <a:t>., for short, medium, and long years.</a:t>
+              <a:t>, for short, medium, and long years.</a:t>
             </a:r>
           </a:p>
           <a:p>
@@ -20431,7 +20470,7 @@
                   <a:schemeClr val="dk1"/>
                 </a:solidFill>
               </a:rPr>
-              <a:t>The shift of 5, 6, 7 days in the week for a leap year, that’s 6, 7, 8 days: </a:t>
+              <a:t>The shift of 5, 6, 7 days in the week for a leap year, they called 6, 7, 8 days: </a:t>
             </a:r>
             <a:r>
               <a:rPr lang="he-IL" dirty="0">
@@ -21061,7 +21100,7 @@
                   <a:schemeClr val="dk1"/>
                 </a:solidFill>
               </a:rPr>
-              <a:t>f any one is too long, move the day of Rosh Hashana at its beginning forward one day to adjust. If that violates </a:t>
+              <a:t>f any year is too long, move the day of Rosh Hashana at its beginning forward one day to adjust. If that violates </a:t>
             </a:r>
             <a:r>
               <a:rPr lang="he-IL" dirty="0">
@@ -21069,7 +21108,23 @@
                   <a:schemeClr val="dk1"/>
                 </a:solidFill>
               </a:rPr>
-              <a:t>לא אד"ו ראש</a:t>
+              <a:t>לא אד"ו</a:t>
+            </a:r>
+            <a:r>
+              <a:rPr lang="en-US" dirty="0">
+                <a:solidFill>
+                  <a:schemeClr val="dk1"/>
+                </a:solidFill>
+              </a:rPr>
+              <a:t> </a:t>
+            </a:r>
+            <a:r>
+              <a:rPr lang="he-IL" dirty="0">
+                <a:solidFill>
+                  <a:schemeClr val="dk1"/>
+                </a:solidFill>
+              </a:rPr>
+              <a:t>ראש</a:t>
             </a:r>
             <a:r>
               <a:rPr lang="en-US" dirty="0">
@@ -21100,7 +21155,7 @@
                   <a:schemeClr val="dk1"/>
                 </a:solidFill>
               </a:rPr>
-              <a:t>If one is too short, move the day of Rosh Hashana at its </a:t>
+              <a:t>If any year is too short, move the day of Rosh Hashana at its </a:t>
             </a:r>
             <a:r>
               <a:rPr lang="en-US" i="1" dirty="0">
@@ -21384,7 +21439,7 @@
                   <a:schemeClr val="dk1"/>
                 </a:solidFill>
               </a:rPr>
-              <a:t> year could pull the Rosh Hashana at the beginning of this year forward.</a:t>
+              <a:t> year could push the Rosh Hashana at the beginning of this year forward.</a:t>
             </a:r>
           </a:p>
         </p:txBody>

--- a/FourGates/FourGates.pptx
+++ b/FourGates/FourGates.pptx
@@ -5,7 +5,7 @@
     <p:sldMasterId id="2147483648" r:id="rId1"/>
   </p:sldMasterIdLst>
   <p:notesMasterIdLst>
-    <p:notesMasterId r:id="rId32"/>
+    <p:notesMasterId r:id="rId33"/>
   </p:notesMasterIdLst>
   <p:sldIdLst>
     <p:sldId id="256" r:id="rId2"/>
@@ -25,19 +25,20 @@
     <p:sldId id="361" r:id="rId16"/>
     <p:sldId id="363" r:id="rId17"/>
     <p:sldId id="362" r:id="rId18"/>
-    <p:sldId id="364" r:id="rId19"/>
-    <p:sldId id="365" r:id="rId20"/>
-    <p:sldId id="366" r:id="rId21"/>
-    <p:sldId id="367" r:id="rId22"/>
-    <p:sldId id="368" r:id="rId23"/>
-    <p:sldId id="369" r:id="rId24"/>
-    <p:sldId id="370" r:id="rId25"/>
-    <p:sldId id="371" r:id="rId26"/>
-    <p:sldId id="372" r:id="rId27"/>
-    <p:sldId id="373" r:id="rId28"/>
-    <p:sldId id="374" r:id="rId29"/>
-    <p:sldId id="375" r:id="rId30"/>
-    <p:sldId id="350" r:id="rId31"/>
+    <p:sldId id="376" r:id="rId19"/>
+    <p:sldId id="364" r:id="rId20"/>
+    <p:sldId id="365" r:id="rId21"/>
+    <p:sldId id="366" r:id="rId22"/>
+    <p:sldId id="367" r:id="rId23"/>
+    <p:sldId id="368" r:id="rId24"/>
+    <p:sldId id="369" r:id="rId25"/>
+    <p:sldId id="370" r:id="rId26"/>
+    <p:sldId id="371" r:id="rId27"/>
+    <p:sldId id="372" r:id="rId28"/>
+    <p:sldId id="373" r:id="rId29"/>
+    <p:sldId id="374" r:id="rId30"/>
+    <p:sldId id="375" r:id="rId31"/>
+    <p:sldId id="350" r:id="rId32"/>
   </p:sldIdLst>
   <p:sldSz cx="9144000" cy="5143500" type="screen16x9"/>
   <p:notesSz cx="7315200" cy="9601200"/>
@@ -289,7 +290,7 @@
       <p15:notesGuideLst xmlns:p15="http://schemas.microsoft.com/office/powerpoint/2012/main"/>
     </p:ext>
     <p:ext uri="http://customooxmlschemas.google.com/">
-      <go:slidesCustomData xmlns="" xmlns:mc="http://schemas.openxmlformats.org/markup-compatibility/2006" xmlns:mv="urn:schemas-microsoft-com:mac:vml" xmlns:c="http://schemas.openxmlformats.org/drawingml/2006/chart" xmlns:dgm="http://schemas.openxmlformats.org/drawingml/2006/diagram" xmlns:o="urn:schemas-microsoft-com:office:office" xmlns:v="urn:schemas-microsoft-com:vml" xmlns:pvml="urn:schemas-microsoft-com:office:powerpoint" xmlns:com="http://schemas.openxmlformats.org/drawingml/2006/compatibility" xmlns:p14="http://schemas.microsoft.com/office/powerpoint/2010/main" xmlns:p15="http://schemas.microsoft.com/office/powerpoint/2012/main" xmlns:ahyp="http://schemas.microsoft.com/office/drawing/2018/hyperlinkcolor" xmlns:go="http://customooxmlschemas.google.com/" r:id="rId84" roundtripDataSignature="AMtx7mjWAUdR7GAsra11wdbxDMbs6FfeWw=="/>
+      <go:slidesCustomData xmlns:go="http://customooxmlschemas.google.com/" xmlns:ahyp="http://schemas.microsoft.com/office/drawing/2018/hyperlinkcolor" xmlns:p15="http://schemas.microsoft.com/office/powerpoint/2012/main" xmlns:p14="http://schemas.microsoft.com/office/powerpoint/2010/main" xmlns:com="http://schemas.openxmlformats.org/drawingml/2006/compatibility" xmlns:pvml="urn:schemas-microsoft-com:office:powerpoint" xmlns:v="urn:schemas-microsoft-com:vml" xmlns:o="urn:schemas-microsoft-com:office:office" xmlns:dgm="http://schemas.openxmlformats.org/drawingml/2006/diagram" xmlns:c="http://schemas.openxmlformats.org/drawingml/2006/chart" xmlns:mv="urn:schemas-microsoft-com:mac:vml" xmlns:mc="http://schemas.openxmlformats.org/markup-compatibility/2006" xmlns="" r:id="rId84" roundtripDataSignature="AMtx7mjWAUdR7GAsra11wdbxDMbs6FfeWw=="/>
     </p:ext>
   </p:extLst>
 </p:presentation>
@@ -1988,109 +1989,6 @@
   <p:cSld>
     <p:spTree>
       <p:nvGrpSpPr>
-        <p:cNvPr id="1" name="Shape 56"/>
-        <p:cNvGrpSpPr/>
-        <p:nvPr/>
-      </p:nvGrpSpPr>
-      <p:grpSpPr>
-        <a:xfrm>
-          <a:off x="0" y="0"/>
-          <a:ext cx="0" cy="0"/>
-          <a:chOff x="0" y="0"/>
-          <a:chExt cx="0" cy="0"/>
-        </a:xfrm>
-      </p:grpSpPr>
-      <p:sp>
-        <p:nvSpPr>
-          <p:cNvPr id="57" name="Google Shape;57;g43fb65a912_0_0:notes"/>
-          <p:cNvSpPr>
-            <a:spLocks noGrp="1" noRot="1" noChangeAspect="1"/>
-          </p:cNvSpPr>
-          <p:nvPr>
-            <p:ph type="sldImg" idx="2"/>
-          </p:nvPr>
-        </p:nvSpPr>
-        <p:spPr>
-          <a:xfrm>
-            <a:off x="457200" y="720725"/>
-            <a:ext cx="6400800" cy="3600450"/>
-          </a:xfrm>
-          <a:custGeom>
-            <a:avLst/>
-            <a:gdLst/>
-            <a:ahLst/>
-            <a:cxnLst/>
-            <a:rect l="l" t="t" r="r" b="b"/>
-            <a:pathLst>
-              <a:path w="120000" h="120000" extrusionOk="0">
-                <a:moveTo>
-                  <a:pt x="0" y="0"/>
-                </a:moveTo>
-                <a:lnTo>
-                  <a:pt x="120000" y="0"/>
-                </a:lnTo>
-                <a:lnTo>
-                  <a:pt x="120000" y="120000"/>
-                </a:lnTo>
-                <a:lnTo>
-                  <a:pt x="0" y="120000"/>
-                </a:lnTo>
-                <a:close/>
-              </a:path>
-            </a:pathLst>
-          </a:custGeom>
-        </p:spPr>
-      </p:sp>
-      <p:sp>
-        <p:nvSpPr>
-          <p:cNvPr id="58" name="Google Shape;58;g43fb65a912_0_0:notes"/>
-          <p:cNvSpPr txBox="1">
-            <a:spLocks noGrp="1"/>
-          </p:cNvSpPr>
-          <p:nvPr>
-            <p:ph type="body" idx="1"/>
-          </p:nvPr>
-        </p:nvSpPr>
-        <p:spPr>
-          <a:xfrm>
-            <a:off x="731520" y="4560570"/>
-            <a:ext cx="5852160" cy="4320540"/>
-          </a:xfrm>
-          <a:prstGeom prst="rect">
-            <a:avLst/>
-          </a:prstGeom>
-        </p:spPr>
-        <p:txBody>
-          <a:bodyPr spcFirstLastPara="1" wrap="square" lIns="96645" tIns="96645" rIns="96645" bIns="96645" anchor="t" anchorCtr="0">
-            <a:noAutofit/>
-          </a:bodyPr>
-          <a:lstStyle/>
-          <a:p>
-            <a:pPr marL="0" indent="0">
-              <a:buNone/>
-            </a:pPr>
-            <a:endParaRPr/>
-          </a:p>
-        </p:txBody>
-      </p:sp>
-    </p:spTree>
-    <p:extLst>
-      <p:ext uri="{BB962C8B-B14F-4D97-AF65-F5344CB8AC3E}">
-        <p14:creationId xmlns:p14="http://schemas.microsoft.com/office/powerpoint/2010/main" val="4049706424"/>
-      </p:ext>
-    </p:extLst>
-  </p:cSld>
-  <p:clrMapOvr>
-    <a:masterClrMapping/>
-  </p:clrMapOvr>
-</p:notes>
-</file>
-
-<file path=ppt/notesSlides/notesSlide19.xml><?xml version="1.0" encoding="utf-8"?>
-<p:notes xmlns:a="http://schemas.openxmlformats.org/drawingml/2006/main" xmlns:r="http://schemas.openxmlformats.org/officeDocument/2006/relationships" xmlns:p="http://schemas.openxmlformats.org/presentationml/2006/main" showMasterSp="0" showMasterPhAnim="0">
-  <p:cSld>
-    <p:spTree>
-      <p:nvGrpSpPr>
         <p:cNvPr id="1" name="Shape 61"/>
         <p:cNvGrpSpPr/>
         <p:nvPr/>
@@ -2203,7 +2101,110 @@
     </p:spTree>
     <p:extLst>
       <p:ext uri="{BB962C8B-B14F-4D97-AF65-F5344CB8AC3E}">
-        <p14:creationId xmlns:p14="http://schemas.microsoft.com/office/powerpoint/2010/main" val="719734744"/>
+        <p14:creationId xmlns:p14="http://schemas.microsoft.com/office/powerpoint/2010/main" val="2248866617"/>
+      </p:ext>
+    </p:extLst>
+  </p:cSld>
+  <p:clrMapOvr>
+    <a:masterClrMapping/>
+  </p:clrMapOvr>
+</p:notes>
+</file>
+
+<file path=ppt/notesSlides/notesSlide19.xml><?xml version="1.0" encoding="utf-8"?>
+<p:notes xmlns:a="http://schemas.openxmlformats.org/drawingml/2006/main" xmlns:r="http://schemas.openxmlformats.org/officeDocument/2006/relationships" xmlns:p="http://schemas.openxmlformats.org/presentationml/2006/main" showMasterSp="0" showMasterPhAnim="0">
+  <p:cSld>
+    <p:spTree>
+      <p:nvGrpSpPr>
+        <p:cNvPr id="1" name="Shape 56"/>
+        <p:cNvGrpSpPr/>
+        <p:nvPr/>
+      </p:nvGrpSpPr>
+      <p:grpSpPr>
+        <a:xfrm>
+          <a:off x="0" y="0"/>
+          <a:ext cx="0" cy="0"/>
+          <a:chOff x="0" y="0"/>
+          <a:chExt cx="0" cy="0"/>
+        </a:xfrm>
+      </p:grpSpPr>
+      <p:sp>
+        <p:nvSpPr>
+          <p:cNvPr id="57" name="Google Shape;57;g43fb65a912_0_0:notes"/>
+          <p:cNvSpPr>
+            <a:spLocks noGrp="1" noRot="1" noChangeAspect="1"/>
+          </p:cNvSpPr>
+          <p:nvPr>
+            <p:ph type="sldImg" idx="2"/>
+          </p:nvPr>
+        </p:nvSpPr>
+        <p:spPr>
+          <a:xfrm>
+            <a:off x="457200" y="720725"/>
+            <a:ext cx="6400800" cy="3600450"/>
+          </a:xfrm>
+          <a:custGeom>
+            <a:avLst/>
+            <a:gdLst/>
+            <a:ahLst/>
+            <a:cxnLst/>
+            <a:rect l="l" t="t" r="r" b="b"/>
+            <a:pathLst>
+              <a:path w="120000" h="120000" extrusionOk="0">
+                <a:moveTo>
+                  <a:pt x="0" y="0"/>
+                </a:moveTo>
+                <a:lnTo>
+                  <a:pt x="120000" y="0"/>
+                </a:lnTo>
+                <a:lnTo>
+                  <a:pt x="120000" y="120000"/>
+                </a:lnTo>
+                <a:lnTo>
+                  <a:pt x="0" y="120000"/>
+                </a:lnTo>
+                <a:close/>
+              </a:path>
+            </a:pathLst>
+          </a:custGeom>
+        </p:spPr>
+      </p:sp>
+      <p:sp>
+        <p:nvSpPr>
+          <p:cNvPr id="58" name="Google Shape;58;g43fb65a912_0_0:notes"/>
+          <p:cNvSpPr txBox="1">
+            <a:spLocks noGrp="1"/>
+          </p:cNvSpPr>
+          <p:nvPr>
+            <p:ph type="body" idx="1"/>
+          </p:nvPr>
+        </p:nvSpPr>
+        <p:spPr>
+          <a:xfrm>
+            <a:off x="731520" y="4560570"/>
+            <a:ext cx="5852160" cy="4320540"/>
+          </a:xfrm>
+          <a:prstGeom prst="rect">
+            <a:avLst/>
+          </a:prstGeom>
+        </p:spPr>
+        <p:txBody>
+          <a:bodyPr spcFirstLastPara="1" wrap="square" lIns="96645" tIns="96645" rIns="96645" bIns="96645" anchor="t" anchorCtr="0">
+            <a:noAutofit/>
+          </a:bodyPr>
+          <a:lstStyle/>
+          <a:p>
+            <a:pPr marL="0" indent="0">
+              <a:buNone/>
+            </a:pPr>
+            <a:endParaRPr/>
+          </a:p>
+        </p:txBody>
+      </p:sp>
+    </p:spTree>
+    <p:extLst>
+      <p:ext uri="{BB962C8B-B14F-4D97-AF65-F5344CB8AC3E}">
+        <p14:creationId xmlns:p14="http://schemas.microsoft.com/office/powerpoint/2010/main" val="4049706424"/>
       </p:ext>
     </p:extLst>
   </p:cSld>
@@ -2433,7 +2434,7 @@
     </p:spTree>
     <p:extLst>
       <p:ext uri="{BB962C8B-B14F-4D97-AF65-F5344CB8AC3E}">
-        <p14:creationId xmlns:p14="http://schemas.microsoft.com/office/powerpoint/2010/main" val="4001481031"/>
+        <p14:creationId xmlns:p14="http://schemas.microsoft.com/office/powerpoint/2010/main" val="719734744"/>
       </p:ext>
     </p:extLst>
   </p:cSld>
@@ -2560,7 +2561,7 @@
     </p:spTree>
     <p:extLst>
       <p:ext uri="{BB962C8B-B14F-4D97-AF65-F5344CB8AC3E}">
-        <p14:creationId xmlns:p14="http://schemas.microsoft.com/office/powerpoint/2010/main" val="1936872374"/>
+        <p14:creationId xmlns:p14="http://schemas.microsoft.com/office/powerpoint/2010/main" val="4001481031"/>
       </p:ext>
     </p:extLst>
   </p:cSld>
@@ -2680,14 +2681,14 @@
               <a:buSzPts val="1100"/>
               <a:buNone/>
             </a:pPr>
-            <a:endParaRPr dirty="0"/>
+            <a:endParaRPr/>
           </a:p>
         </p:txBody>
       </p:sp>
     </p:spTree>
     <p:extLst>
       <p:ext uri="{BB962C8B-B14F-4D97-AF65-F5344CB8AC3E}">
-        <p14:creationId xmlns:p14="http://schemas.microsoft.com/office/powerpoint/2010/main" val="3959338345"/>
+        <p14:creationId xmlns:p14="http://schemas.microsoft.com/office/powerpoint/2010/main" val="1936872374"/>
       </p:ext>
     </p:extLst>
   </p:cSld>
@@ -2814,7 +2815,7 @@
     </p:spTree>
     <p:extLst>
       <p:ext uri="{BB962C8B-B14F-4D97-AF65-F5344CB8AC3E}">
-        <p14:creationId xmlns:p14="http://schemas.microsoft.com/office/powerpoint/2010/main" val="3910269130"/>
+        <p14:creationId xmlns:p14="http://schemas.microsoft.com/office/powerpoint/2010/main" val="3959338345"/>
       </p:ext>
     </p:extLst>
   </p:cSld>
@@ -2941,7 +2942,7 @@
     </p:spTree>
     <p:extLst>
       <p:ext uri="{BB962C8B-B14F-4D97-AF65-F5344CB8AC3E}">
-        <p14:creationId xmlns:p14="http://schemas.microsoft.com/office/powerpoint/2010/main" val="729660576"/>
+        <p14:creationId xmlns:p14="http://schemas.microsoft.com/office/powerpoint/2010/main" val="3910269130"/>
       </p:ext>
     </p:extLst>
   </p:cSld>
@@ -3068,7 +3069,7 @@
     </p:spTree>
     <p:extLst>
       <p:ext uri="{BB962C8B-B14F-4D97-AF65-F5344CB8AC3E}">
-        <p14:creationId xmlns:p14="http://schemas.microsoft.com/office/powerpoint/2010/main" val="3702533849"/>
+        <p14:creationId xmlns:p14="http://schemas.microsoft.com/office/powerpoint/2010/main" val="729660576"/>
       </p:ext>
     </p:extLst>
   </p:cSld>
@@ -3195,7 +3196,7 @@
     </p:spTree>
     <p:extLst>
       <p:ext uri="{BB962C8B-B14F-4D97-AF65-F5344CB8AC3E}">
-        <p14:creationId xmlns:p14="http://schemas.microsoft.com/office/powerpoint/2010/main" val="3523693652"/>
+        <p14:creationId xmlns:p14="http://schemas.microsoft.com/office/powerpoint/2010/main" val="3702533849"/>
       </p:ext>
     </p:extLst>
   </p:cSld>
@@ -3322,7 +3323,7 @@
     </p:spTree>
     <p:extLst>
       <p:ext uri="{BB962C8B-B14F-4D97-AF65-F5344CB8AC3E}">
-        <p14:creationId xmlns:p14="http://schemas.microsoft.com/office/powerpoint/2010/main" val="3260111571"/>
+        <p14:creationId xmlns:p14="http://schemas.microsoft.com/office/powerpoint/2010/main" val="3523693652"/>
       </p:ext>
     </p:extLst>
   </p:cSld>
@@ -3449,7 +3450,7 @@
     </p:spTree>
     <p:extLst>
       <p:ext uri="{BB962C8B-B14F-4D97-AF65-F5344CB8AC3E}">
-        <p14:creationId xmlns:p14="http://schemas.microsoft.com/office/powerpoint/2010/main" val="3135375359"/>
+        <p14:creationId xmlns:p14="http://schemas.microsoft.com/office/powerpoint/2010/main" val="3260111571"/>
       </p:ext>
     </p:extLst>
   </p:cSld>
@@ -3576,7 +3577,7 @@
     </p:spTree>
     <p:extLst>
       <p:ext uri="{BB962C8B-B14F-4D97-AF65-F5344CB8AC3E}">
-        <p14:creationId xmlns:p14="http://schemas.microsoft.com/office/powerpoint/2010/main" val="1135417257"/>
+        <p14:creationId xmlns:p14="http://schemas.microsoft.com/office/powerpoint/2010/main" val="3135375359"/>
       </p:ext>
     </p:extLst>
   </p:cSld>
@@ -3709,6 +3710,133 @@
 </file>
 
 <file path=ppt/notesSlides/notesSlide30.xml><?xml version="1.0" encoding="utf-8"?>
+<p:notes xmlns:a="http://schemas.openxmlformats.org/drawingml/2006/main" xmlns:r="http://schemas.openxmlformats.org/officeDocument/2006/relationships" xmlns:p="http://schemas.openxmlformats.org/presentationml/2006/main" showMasterSp="0" showMasterPhAnim="0">
+  <p:cSld>
+    <p:spTree>
+      <p:nvGrpSpPr>
+        <p:cNvPr id="1" name="Shape 61"/>
+        <p:cNvGrpSpPr/>
+        <p:nvPr/>
+      </p:nvGrpSpPr>
+      <p:grpSpPr>
+        <a:xfrm>
+          <a:off x="0" y="0"/>
+          <a:ext cx="0" cy="0"/>
+          <a:chOff x="0" y="0"/>
+          <a:chExt cx="0" cy="0"/>
+        </a:xfrm>
+      </p:grpSpPr>
+      <p:sp>
+        <p:nvSpPr>
+          <p:cNvPr id="62" name="Google Shape;62;p3:notes"/>
+          <p:cNvSpPr>
+            <a:spLocks noGrp="1" noRot="1" noChangeAspect="1"/>
+          </p:cNvSpPr>
+          <p:nvPr>
+            <p:ph type="sldImg" idx="2"/>
+          </p:nvPr>
+        </p:nvSpPr>
+        <p:spPr>
+          <a:xfrm>
+            <a:off x="457200" y="720725"/>
+            <a:ext cx="6400800" cy="3600450"/>
+          </a:xfrm>
+          <a:custGeom>
+            <a:avLst/>
+            <a:gdLst/>
+            <a:ahLst/>
+            <a:cxnLst/>
+            <a:rect l="l" t="t" r="r" b="b"/>
+            <a:pathLst>
+              <a:path w="120000" h="120000" extrusionOk="0">
+                <a:moveTo>
+                  <a:pt x="0" y="0"/>
+                </a:moveTo>
+                <a:lnTo>
+                  <a:pt x="120000" y="0"/>
+                </a:lnTo>
+                <a:lnTo>
+                  <a:pt x="120000" y="120000"/>
+                </a:lnTo>
+                <a:lnTo>
+                  <a:pt x="0" y="120000"/>
+                </a:lnTo>
+                <a:close/>
+              </a:path>
+            </a:pathLst>
+          </a:custGeom>
+          <a:noFill/>
+          <a:ln w="9525" cap="flat" cmpd="sng">
+            <a:solidFill>
+              <a:srgbClr val="000000"/>
+            </a:solidFill>
+            <a:prstDash val="solid"/>
+            <a:round/>
+            <a:headEnd type="none" w="sm" len="sm"/>
+            <a:tailEnd type="none" w="sm" len="sm"/>
+          </a:ln>
+        </p:spPr>
+      </p:sp>
+      <p:sp>
+        <p:nvSpPr>
+          <p:cNvPr id="63" name="Google Shape;63;p3:notes"/>
+          <p:cNvSpPr txBox="1">
+            <a:spLocks noGrp="1"/>
+          </p:cNvSpPr>
+          <p:nvPr>
+            <p:ph type="body" idx="1"/>
+          </p:nvPr>
+        </p:nvSpPr>
+        <p:spPr>
+          <a:xfrm>
+            <a:off x="731520" y="4560570"/>
+            <a:ext cx="5852160" cy="4320540"/>
+          </a:xfrm>
+          <a:prstGeom prst="rect">
+            <a:avLst/>
+          </a:prstGeom>
+          <a:noFill/>
+          <a:ln>
+            <a:noFill/>
+          </a:ln>
+        </p:spPr>
+        <p:txBody>
+          <a:bodyPr spcFirstLastPara="1" wrap="square" lIns="96625" tIns="96625" rIns="96625" bIns="96625" anchor="t" anchorCtr="0">
+            <a:noAutofit/>
+          </a:bodyPr>
+          <a:lstStyle/>
+          <a:p>
+            <a:pPr marL="457200" lvl="0" indent="-228600" algn="l" rtl="0">
+              <a:lnSpc>
+                <a:spcPct val="100000"/>
+              </a:lnSpc>
+              <a:spcBef>
+                <a:spcPts val="0"/>
+              </a:spcBef>
+              <a:spcAft>
+                <a:spcPts val="0"/>
+              </a:spcAft>
+              <a:buSzPts val="1100"/>
+              <a:buNone/>
+            </a:pPr>
+            <a:endParaRPr dirty="0"/>
+          </a:p>
+        </p:txBody>
+      </p:sp>
+    </p:spTree>
+    <p:extLst>
+      <p:ext uri="{BB962C8B-B14F-4D97-AF65-F5344CB8AC3E}">
+        <p14:creationId xmlns:p14="http://schemas.microsoft.com/office/powerpoint/2010/main" val="1135417257"/>
+      </p:ext>
+    </p:extLst>
+  </p:cSld>
+  <p:clrMapOvr>
+    <a:masterClrMapping/>
+  </p:clrMapOvr>
+</p:notes>
+</file>
+
+<file path=ppt/notesSlides/notesSlide31.xml><?xml version="1.0" encoding="utf-8"?>
 <p:notes xmlns:a="http://schemas.openxmlformats.org/drawingml/2006/main" xmlns:r="http://schemas.openxmlformats.org/officeDocument/2006/relationships" xmlns:p="http://schemas.openxmlformats.org/presentationml/2006/main" showMasterSp="0" showMasterPhAnim="0">
   <p:cSld>
     <p:spTree>
@@ -12935,7 +13063,23 @@
                   <a:schemeClr val="dk1"/>
                 </a:solidFill>
               </a:rPr>
-              <a:t>Now we only need to calculate the </a:t>
+              <a:t>For the </a:t>
+            </a:r>
+            <a:r>
+              <a:rPr lang="he-IL" dirty="0">
+                <a:solidFill>
+                  <a:schemeClr val="dk1"/>
+                </a:solidFill>
+              </a:rPr>
+              <a:t>ד' דחיות</a:t>
+            </a:r>
+            <a:r>
+              <a:rPr lang="en-US" dirty="0">
+                <a:solidFill>
+                  <a:schemeClr val="dk1"/>
+                </a:solidFill>
+              </a:rPr>
+              <a:t> we only need to calculate the </a:t>
             </a:r>
             <a:r>
               <a:rPr lang="en-US" dirty="0" err="1">
@@ -14924,6 +15068,340 @@
   <p:cSld>
     <p:spTree>
       <p:nvGrpSpPr>
+        <p:cNvPr id="1" name="Shape 64"/>
+        <p:cNvGrpSpPr/>
+        <p:nvPr/>
+      </p:nvGrpSpPr>
+      <p:grpSpPr>
+        <a:xfrm>
+          <a:off x="0" y="0"/>
+          <a:ext cx="0" cy="0"/>
+          <a:chOff x="0" y="0"/>
+          <a:chExt cx="0" cy="0"/>
+        </a:xfrm>
+      </p:grpSpPr>
+      <p:sp>
+        <p:nvSpPr>
+          <p:cNvPr id="65" name="Google Shape;65;p3"/>
+          <p:cNvSpPr txBox="1">
+            <a:spLocks noGrp="1"/>
+          </p:cNvSpPr>
+          <p:nvPr>
+            <p:ph type="title"/>
+          </p:nvPr>
+        </p:nvSpPr>
+        <p:spPr>
+          <a:xfrm>
+            <a:off x="311700" y="445025"/>
+            <a:ext cx="8520600" cy="572700"/>
+          </a:xfrm>
+          <a:prstGeom prst="rect">
+            <a:avLst/>
+          </a:prstGeom>
+          <a:noFill/>
+          <a:ln>
+            <a:noFill/>
+          </a:ln>
+        </p:spPr>
+        <p:txBody>
+          <a:bodyPr spcFirstLastPara="1" wrap="square" lIns="91425" tIns="91425" rIns="91425" bIns="91425" anchor="t" anchorCtr="0">
+            <a:noAutofit/>
+          </a:bodyPr>
+          <a:lstStyle/>
+          <a:p>
+            <a:pPr marL="0" lvl="0" indent="0" algn="l" rtl="0">
+              <a:lnSpc>
+                <a:spcPct val="100000"/>
+              </a:lnSpc>
+              <a:spcBef>
+                <a:spcPts val="0"/>
+              </a:spcBef>
+              <a:spcAft>
+                <a:spcPts val="0"/>
+              </a:spcAft>
+              <a:buSzPts val="2800"/>
+              <a:buNone/>
+            </a:pPr>
+            <a:r>
+              <a:rPr lang="he-IL" dirty="0"/>
+              <a:t>ארבעה שערים</a:t>
+            </a:r>
+            <a:r>
+              <a:rPr lang="en-US" dirty="0"/>
+              <a:t> - 3</a:t>
+            </a:r>
+            <a:endParaRPr dirty="0"/>
+          </a:p>
+        </p:txBody>
+      </p:sp>
+      <p:sp>
+        <p:nvSpPr>
+          <p:cNvPr id="66" name="Google Shape;66;p3"/>
+          <p:cNvSpPr txBox="1">
+            <a:spLocks noGrp="1"/>
+          </p:cNvSpPr>
+          <p:nvPr>
+            <p:ph type="body" idx="1"/>
+          </p:nvPr>
+        </p:nvSpPr>
+        <p:spPr>
+          <a:xfrm>
+            <a:off x="311700" y="1017725"/>
+            <a:ext cx="8520600" cy="3912084"/>
+          </a:xfrm>
+          <a:prstGeom prst="rect">
+            <a:avLst/>
+          </a:prstGeom>
+          <a:noFill/>
+          <a:ln>
+            <a:noFill/>
+          </a:ln>
+        </p:spPr>
+        <p:txBody>
+          <a:bodyPr spcFirstLastPara="1" wrap="square" lIns="91425" tIns="91425" rIns="91425" bIns="91425" anchor="t" anchorCtr="0">
+            <a:noAutofit/>
+          </a:bodyPr>
+          <a:lstStyle/>
+          <a:p>
+            <a:r>
+              <a:rPr lang="en-US" dirty="0">
+                <a:solidFill>
+                  <a:schemeClr val="dk1"/>
+                </a:solidFill>
+              </a:rPr>
+              <a:t>It would be natural to assume that the </a:t>
+            </a:r>
+            <a:r>
+              <a:rPr lang="en-US" i="1" dirty="0">
+                <a:solidFill>
+                  <a:schemeClr val="dk1"/>
+                </a:solidFill>
+              </a:rPr>
+              <a:t>Four</a:t>
+            </a:r>
+            <a:r>
+              <a:rPr lang="en-US" dirty="0">
+                <a:solidFill>
+                  <a:schemeClr val="dk1"/>
+                </a:solidFill>
+              </a:rPr>
+              <a:t> in “Four Gates” refers to the four types of years on the 19-year cycle as shown above: </a:t>
+            </a:r>
+            <a:r>
+              <a:rPr lang="he-IL" dirty="0">
+                <a:solidFill>
+                  <a:schemeClr val="dk1"/>
+                </a:solidFill>
+              </a:rPr>
+              <a:t>פמ"פ</a:t>
+            </a:r>
+            <a:r>
+              <a:rPr lang="en-US" dirty="0">
+                <a:solidFill>
+                  <a:schemeClr val="dk1"/>
+                </a:solidFill>
+              </a:rPr>
+              <a:t>, </a:t>
+            </a:r>
+            <a:r>
+              <a:rPr lang="he-IL" dirty="0">
+                <a:solidFill>
+                  <a:schemeClr val="dk1"/>
+                </a:solidFill>
+              </a:rPr>
+              <a:t>פפ"מ</a:t>
+            </a:r>
+            <a:r>
+              <a:rPr lang="en-US" dirty="0">
+                <a:solidFill>
+                  <a:schemeClr val="dk1"/>
+                </a:solidFill>
+              </a:rPr>
+              <a:t>, </a:t>
+            </a:r>
+            <a:r>
+              <a:rPr lang="he-IL" dirty="0">
+                <a:solidFill>
+                  <a:schemeClr val="dk1"/>
+                </a:solidFill>
+              </a:rPr>
+              <a:t>מפ"מ</a:t>
+            </a:r>
+            <a:r>
+              <a:rPr lang="en-US" dirty="0">
+                <a:solidFill>
+                  <a:schemeClr val="dk1"/>
+                </a:solidFill>
+              </a:rPr>
+              <a:t>, and </a:t>
+            </a:r>
+            <a:r>
+              <a:rPr lang="he-IL" dirty="0">
+                <a:solidFill>
+                  <a:schemeClr val="dk1"/>
+                </a:solidFill>
+              </a:rPr>
+              <a:t>מפ"פ</a:t>
+            </a:r>
+            <a:r>
+              <a:rPr lang="en-US" dirty="0">
+                <a:solidFill>
+                  <a:schemeClr val="dk1"/>
+                </a:solidFill>
+              </a:rPr>
+              <a:t>.</a:t>
+            </a:r>
+          </a:p>
+          <a:p>
+            <a:r>
+              <a:rPr lang="en-US" dirty="0">
+                <a:solidFill>
+                  <a:schemeClr val="dk1"/>
+                </a:solidFill>
+              </a:rPr>
+              <a:t>From the writings of the Gaonim, that turns out not to be true. They describe the system as four days of Rosh Hashana: The range of </a:t>
+            </a:r>
+            <a:r>
+              <a:rPr lang="en-US" dirty="0" err="1">
+                <a:solidFill>
+                  <a:schemeClr val="dk1"/>
+                </a:solidFill>
+              </a:rPr>
+              <a:t>molads</a:t>
+            </a:r>
+            <a:r>
+              <a:rPr lang="en-US" dirty="0">
+                <a:solidFill>
+                  <a:schemeClr val="dk1"/>
+                </a:solidFill>
+              </a:rPr>
+              <a:t> that lead to Monday as Rosh Hashana </a:t>
+            </a:r>
+            <a:r>
+              <a:rPr lang="en-US">
+                <a:solidFill>
+                  <a:schemeClr val="dk1"/>
+                </a:solidFill>
+              </a:rPr>
+              <a:t>is one gate</a:t>
+            </a:r>
+            <a:r>
+              <a:rPr lang="en-US" dirty="0">
+                <a:solidFill>
+                  <a:schemeClr val="dk1"/>
+                </a:solidFill>
+              </a:rPr>
+              <a:t>, another gate is that range that leads to Tuesday, etc.</a:t>
+            </a:r>
+          </a:p>
+          <a:p>
+            <a:r>
+              <a:rPr lang="en-US" dirty="0">
+                <a:solidFill>
+                  <a:schemeClr val="dk1"/>
+                </a:solidFill>
+              </a:rPr>
+              <a:t>Since there are four possible days from Rosh Hashana according to </a:t>
+            </a:r>
+            <a:r>
+              <a:rPr lang="he-IL" dirty="0">
+                <a:solidFill>
+                  <a:schemeClr val="dk1"/>
+                </a:solidFill>
+              </a:rPr>
+              <a:t>לא אד"ו ראש</a:t>
+            </a:r>
+            <a:r>
+              <a:rPr lang="en-US" dirty="0">
+                <a:solidFill>
+                  <a:schemeClr val="dk1"/>
+                </a:solidFill>
+              </a:rPr>
+              <a:t>, there are four gates.</a:t>
+            </a:r>
+          </a:p>
+          <a:p>
+            <a:r>
+              <a:rPr lang="en-US" dirty="0">
+                <a:solidFill>
+                  <a:schemeClr val="dk1"/>
+                </a:solidFill>
+              </a:rPr>
+              <a:t>(See for instance the description in </a:t>
+            </a:r>
+            <a:r>
+              <a:rPr lang="en-US" dirty="0" err="1">
+                <a:solidFill>
+                  <a:schemeClr val="dk1"/>
+                </a:solidFill>
+              </a:rPr>
+              <a:t>Sefer</a:t>
+            </a:r>
+            <a:r>
+              <a:rPr lang="en-US" dirty="0">
+                <a:solidFill>
+                  <a:schemeClr val="dk1"/>
+                </a:solidFill>
+              </a:rPr>
+              <a:t> </a:t>
+            </a:r>
+            <a:r>
+              <a:rPr lang="en-US" dirty="0" err="1">
+                <a:solidFill>
+                  <a:schemeClr val="dk1"/>
+                </a:solidFill>
+              </a:rPr>
+              <a:t>Hamoadim</a:t>
+            </a:r>
+            <a:r>
+              <a:rPr lang="en-US" dirty="0">
+                <a:solidFill>
+                  <a:schemeClr val="dk1"/>
+                </a:solidFill>
+              </a:rPr>
+              <a:t>, ascribed to R’ Saadia Gaon.)</a:t>
+            </a:r>
+          </a:p>
+          <a:p>
+            <a:pPr marL="114300" lvl="0" indent="0" algn="l" rtl="0">
+              <a:lnSpc>
+                <a:spcPct val="115000"/>
+              </a:lnSpc>
+              <a:spcBef>
+                <a:spcPts val="0"/>
+              </a:spcBef>
+              <a:spcAft>
+                <a:spcPts val="0"/>
+              </a:spcAft>
+              <a:buSzPts val="1800"/>
+              <a:buNone/>
+            </a:pPr>
+            <a:endParaRPr lang="en-US" dirty="0">
+              <a:solidFill>
+                <a:schemeClr val="dk1"/>
+              </a:solidFill>
+            </a:endParaRPr>
+          </a:p>
+        </p:txBody>
+      </p:sp>
+    </p:spTree>
+    <p:extLst>
+      <p:ext uri="{BB962C8B-B14F-4D97-AF65-F5344CB8AC3E}">
+        <p14:creationId xmlns:p14="http://schemas.microsoft.com/office/powerpoint/2010/main" val="1807927004"/>
+      </p:ext>
+    </p:extLst>
+  </p:cSld>
+  <p:clrMapOvr>
+    <a:masterClrMapping/>
+  </p:clrMapOvr>
+</p:sld>
+</file>
+
+<file path=ppt/slides/slide19.xml><?xml version="1.0" encoding="utf-8"?>
+<p:sld xmlns:a="http://schemas.openxmlformats.org/drawingml/2006/main" xmlns:r="http://schemas.openxmlformats.org/officeDocument/2006/relationships" xmlns:p="http://schemas.openxmlformats.org/presentationml/2006/main">
+  <p:cSld>
+    <p:spTree>
+      <p:nvGrpSpPr>
         <p:cNvPr id="1" name="Shape 59"/>
         <p:cNvGrpSpPr/>
         <p:nvPr/>
@@ -15243,168 +15721,6 @@
       </p:par>
     </p:tnLst>
   </p:timing>
-</p:sld>
-</file>
-
-<file path=ppt/slides/slide19.xml><?xml version="1.0" encoding="utf-8"?>
-<p:sld xmlns:a="http://schemas.openxmlformats.org/drawingml/2006/main" xmlns:r="http://schemas.openxmlformats.org/officeDocument/2006/relationships" xmlns:p="http://schemas.openxmlformats.org/presentationml/2006/main">
-  <p:cSld>
-    <p:spTree>
-      <p:nvGrpSpPr>
-        <p:cNvPr id="1" name="Shape 64"/>
-        <p:cNvGrpSpPr/>
-        <p:nvPr/>
-      </p:nvGrpSpPr>
-      <p:grpSpPr>
-        <a:xfrm>
-          <a:off x="0" y="0"/>
-          <a:ext cx="0" cy="0"/>
-          <a:chOff x="0" y="0"/>
-          <a:chExt cx="0" cy="0"/>
-        </a:xfrm>
-      </p:grpSpPr>
-      <p:sp>
-        <p:nvSpPr>
-          <p:cNvPr id="65" name="Google Shape;65;p3"/>
-          <p:cNvSpPr txBox="1">
-            <a:spLocks noGrp="1"/>
-          </p:cNvSpPr>
-          <p:nvPr>
-            <p:ph type="title"/>
-          </p:nvPr>
-        </p:nvSpPr>
-        <p:spPr>
-          <a:xfrm>
-            <a:off x="311700" y="445025"/>
-            <a:ext cx="8520600" cy="572700"/>
-          </a:xfrm>
-          <a:prstGeom prst="rect">
-            <a:avLst/>
-          </a:prstGeom>
-          <a:noFill/>
-          <a:ln>
-            <a:noFill/>
-          </a:ln>
-        </p:spPr>
-        <p:txBody>
-          <a:bodyPr spcFirstLastPara="1" wrap="square" lIns="91425" tIns="91425" rIns="91425" bIns="91425" anchor="t" anchorCtr="0">
-            <a:noAutofit/>
-          </a:bodyPr>
-          <a:lstStyle/>
-          <a:p>
-            <a:pPr marL="0" lvl="0" indent="0" algn="l" rtl="0">
-              <a:lnSpc>
-                <a:spcPct val="100000"/>
-              </a:lnSpc>
-              <a:spcBef>
-                <a:spcPts val="0"/>
-              </a:spcBef>
-              <a:spcAft>
-                <a:spcPts val="0"/>
-              </a:spcAft>
-              <a:buSzPts val="2800"/>
-              <a:buNone/>
-            </a:pPr>
-            <a:r>
-              <a:rPr lang="en-US" dirty="0"/>
-              <a:t>The Four Gates app - 1</a:t>
-            </a:r>
-            <a:endParaRPr dirty="0"/>
-          </a:p>
-        </p:txBody>
-      </p:sp>
-      <p:sp>
-        <p:nvSpPr>
-          <p:cNvPr id="66" name="Google Shape;66;p3"/>
-          <p:cNvSpPr txBox="1">
-            <a:spLocks noGrp="1"/>
-          </p:cNvSpPr>
-          <p:nvPr>
-            <p:ph type="body" idx="1"/>
-          </p:nvPr>
-        </p:nvSpPr>
-        <p:spPr>
-          <a:xfrm>
-            <a:off x="311700" y="1017725"/>
-            <a:ext cx="8520600" cy="3912084"/>
-          </a:xfrm>
-          <a:prstGeom prst="rect">
-            <a:avLst/>
-          </a:prstGeom>
-          <a:noFill/>
-          <a:ln>
-            <a:noFill/>
-          </a:ln>
-        </p:spPr>
-        <p:txBody>
-          <a:bodyPr spcFirstLastPara="1" wrap="square" lIns="91425" tIns="91425" rIns="91425" bIns="91425" anchor="t" anchorCtr="0">
-            <a:noAutofit/>
-          </a:bodyPr>
-          <a:lstStyle/>
-          <a:p>
-            <a:pPr marL="114300" indent="0">
-              <a:buNone/>
-            </a:pPr>
-            <a:r>
-              <a:rPr lang="en-US" dirty="0">
-                <a:solidFill>
-                  <a:schemeClr val="dk1"/>
-                </a:solidFill>
-              </a:rPr>
-              <a:t>To help in understanding this, I made an app to illustrate the Four Gates. It is a self-contained web page.</a:t>
-            </a:r>
-          </a:p>
-          <a:p>
-            <a:pPr marL="114300" indent="0">
-              <a:buNone/>
-            </a:pPr>
-            <a:endParaRPr lang="en-US" dirty="0">
-              <a:solidFill>
-                <a:schemeClr val="dk1"/>
-              </a:solidFill>
-            </a:endParaRPr>
-          </a:p>
-        </p:txBody>
-      </p:sp>
-      <p:pic>
-        <p:nvPicPr>
-          <p:cNvPr id="3" name="Picture 2">
-            <a:extLst>
-              <a:ext uri="{FF2B5EF4-FFF2-40B4-BE49-F238E27FC236}">
-                <a16:creationId xmlns:a16="http://schemas.microsoft.com/office/drawing/2014/main" id="{835F5EF3-18A9-4FAA-A4EE-F78FB72881E2}"/>
-              </a:ext>
-            </a:extLst>
-          </p:cNvPr>
-          <p:cNvPicPr>
-            <a:picLocks noChangeAspect="1"/>
-          </p:cNvPicPr>
-          <p:nvPr/>
-        </p:nvPicPr>
-        <p:blipFill rotWithShape="1">
-          <a:blip r:embed="rId3"/>
-          <a:srcRect t="12700" r="2437" b="6367"/>
-          <a:stretch/>
-        </p:blipFill>
-        <p:spPr>
-          <a:xfrm>
-            <a:off x="1152396" y="1759425"/>
-            <a:ext cx="7139834" cy="3331599"/>
-          </a:xfrm>
-          <a:prstGeom prst="rect">
-            <a:avLst/>
-          </a:prstGeom>
-        </p:spPr>
-      </p:pic>
-    </p:spTree>
-    <p:extLst>
-      <p:ext uri="{BB962C8B-B14F-4D97-AF65-F5344CB8AC3E}">
-        <p14:creationId xmlns:p14="http://schemas.microsoft.com/office/powerpoint/2010/main" val="3804531898"/>
-      </p:ext>
-    </p:extLst>
-  </p:cSld>
-  <p:clrMapOvr>
-    <a:masterClrMapping/>
-  </p:clrMapOvr>
 </p:sld>
 </file>
 
@@ -15796,7 +16112,7 @@
             </a:pPr>
             <a:r>
               <a:rPr lang="en-US" dirty="0"/>
-              <a:t>The Four Gates app - 2</a:t>
+              <a:t>The Four Gates app - 1</a:t>
             </a:r>
             <a:endParaRPr dirty="0"/>
           </a:p>
@@ -15840,71 +16156,7 @@
                   <a:schemeClr val="dk1"/>
                 </a:solidFill>
               </a:rPr>
-              <a:t>You can pull on this year’s </a:t>
-            </a:r>
-            <a:r>
-              <a:rPr lang="en-US" dirty="0" err="1">
-                <a:solidFill>
-                  <a:schemeClr val="dk1"/>
-                </a:solidFill>
-              </a:rPr>
-              <a:t>molad</a:t>
-            </a:r>
-            <a:r>
-              <a:rPr lang="en-US" dirty="0">
-                <a:solidFill>
-                  <a:schemeClr val="dk1"/>
-                </a:solidFill>
-              </a:rPr>
-              <a:t> </a:t>
-            </a:r>
-            <a:r>
-              <a:rPr lang="en-US" dirty="0" err="1">
-                <a:solidFill>
-                  <a:schemeClr val="dk1"/>
-                </a:solidFill>
-              </a:rPr>
-              <a:t>Tishrei</a:t>
-            </a:r>
-            <a:r>
-              <a:rPr lang="en-US" dirty="0">
-                <a:solidFill>
-                  <a:schemeClr val="dk1"/>
-                </a:solidFill>
-              </a:rPr>
-              <a:t> – the green triangle in the third column from the left – to change the </a:t>
-            </a:r>
-            <a:r>
-              <a:rPr lang="en-US" dirty="0" err="1">
-                <a:solidFill>
-                  <a:schemeClr val="dk1"/>
-                </a:solidFill>
-              </a:rPr>
-              <a:t>molad</a:t>
-            </a:r>
-            <a:r>
-              <a:rPr lang="en-US" dirty="0">
-                <a:solidFill>
-                  <a:schemeClr val="dk1"/>
-                </a:solidFill>
-              </a:rPr>
-              <a:t>. The other three </a:t>
-            </a:r>
-            <a:r>
-              <a:rPr lang="en-US" dirty="0" err="1">
-                <a:solidFill>
-                  <a:schemeClr val="dk1"/>
-                </a:solidFill>
-              </a:rPr>
-              <a:t>molad</a:t>
-            </a:r>
-            <a:r>
-              <a:rPr lang="en-US" dirty="0">
-                <a:solidFill>
-                  <a:schemeClr val="dk1"/>
-                </a:solidFill>
-              </a:rPr>
-              <a:t> pointers keep track.</a:t>
+              <a:t>To help in understanding this, I made an app to illustrate the Four Gates. It is a self-contained web page.</a:t>
             </a:r>
           </a:p>
           <a:p>
@@ -15921,10 +16173,10 @@
       </p:sp>
       <p:pic>
         <p:nvPicPr>
-          <p:cNvPr id="4" name="Picture 3">
+          <p:cNvPr id="3" name="Picture 2">
             <a:extLst>
               <a:ext uri="{FF2B5EF4-FFF2-40B4-BE49-F238E27FC236}">
-                <a16:creationId xmlns:a16="http://schemas.microsoft.com/office/drawing/2014/main" id="{980D6217-F377-4F95-91EF-0195BE1B3EAF}"/>
+                <a16:creationId xmlns:a16="http://schemas.microsoft.com/office/drawing/2014/main" id="{835F5EF3-18A9-4FAA-A4EE-F78FB72881E2}"/>
               </a:ext>
             </a:extLst>
           </p:cNvPr>
@@ -15935,13 +16187,13 @@
         </p:nvPicPr>
         <p:blipFill rotWithShape="1">
           <a:blip r:embed="rId3"/>
-          <a:srcRect l="-688" t="15452" r="3012" b="4379"/>
+          <a:srcRect t="12700" r="2437" b="6367"/>
           <a:stretch/>
         </p:blipFill>
         <p:spPr>
           <a:xfrm>
-            <a:off x="933189" y="1766169"/>
-            <a:ext cx="7315403" cy="3377331"/>
+            <a:off x="1152396" y="1759425"/>
+            <a:ext cx="7139834" cy="3331599"/>
           </a:xfrm>
           <a:prstGeom prst="rect">
             <a:avLst/>
@@ -15951,7 +16203,7 @@
     </p:spTree>
     <p:extLst>
       <p:ext uri="{BB962C8B-B14F-4D97-AF65-F5344CB8AC3E}">
-        <p14:creationId xmlns:p14="http://schemas.microsoft.com/office/powerpoint/2010/main" val="2563079804"/>
+        <p14:creationId xmlns:p14="http://schemas.microsoft.com/office/powerpoint/2010/main" val="3804531898"/>
       </p:ext>
     </p:extLst>
   </p:cSld>
@@ -16022,7 +16274,7 @@
             </a:pPr>
             <a:r>
               <a:rPr lang="en-US" dirty="0"/>
-              <a:t>The Four Gates app - 3</a:t>
+              <a:t>The Four Gates app - 2</a:t>
             </a:r>
             <a:endParaRPr dirty="0"/>
           </a:p>
@@ -16066,7 +16318,7 @@
                   <a:schemeClr val="dk1"/>
                 </a:solidFill>
               </a:rPr>
-              <a:t>You can also set the </a:t>
+              <a:t>You can pull on this year’s </a:t>
             </a:r>
             <a:r>
               <a:rPr lang="en-US" dirty="0" err="1">
@@ -16082,7 +16334,7 @@
                   <a:schemeClr val="dk1"/>
                 </a:solidFill>
               </a:rPr>
-              <a:t> by hand in the green rectangle box on the bottom left. Again the other </a:t>
+              <a:t> </a:t>
             </a:r>
             <a:r>
               <a:rPr lang="en-US" dirty="0" err="1">
@@ -16090,7 +16342,7 @@
                   <a:schemeClr val="dk1"/>
                 </a:solidFill>
               </a:rPr>
-              <a:t>molads</a:t>
+              <a:t>Tishrei</a:t>
             </a:r>
             <a:r>
               <a:rPr lang="en-US" dirty="0">
@@ -16098,7 +16350,39 @@
                   <a:schemeClr val="dk1"/>
                 </a:solidFill>
               </a:rPr>
-              <a:t> shift to match the new value.</a:t>
+              <a:t> – the green triangle in the third column from the left – to change the </a:t>
+            </a:r>
+            <a:r>
+              <a:rPr lang="en-US" dirty="0" err="1">
+                <a:solidFill>
+                  <a:schemeClr val="dk1"/>
+                </a:solidFill>
+              </a:rPr>
+              <a:t>molad</a:t>
+            </a:r>
+            <a:r>
+              <a:rPr lang="en-US" dirty="0">
+                <a:solidFill>
+                  <a:schemeClr val="dk1"/>
+                </a:solidFill>
+              </a:rPr>
+              <a:t>. The other three </a:t>
+            </a:r>
+            <a:r>
+              <a:rPr lang="en-US" dirty="0" err="1">
+                <a:solidFill>
+                  <a:schemeClr val="dk1"/>
+                </a:solidFill>
+              </a:rPr>
+              <a:t>molad</a:t>
+            </a:r>
+            <a:r>
+              <a:rPr lang="en-US" dirty="0">
+                <a:solidFill>
+                  <a:schemeClr val="dk1"/>
+                </a:solidFill>
+              </a:rPr>
+              <a:t> pointers keep track.</a:t>
             </a:r>
           </a:p>
           <a:p>
@@ -16115,10 +16399,10 @@
       </p:sp>
       <p:pic>
         <p:nvPicPr>
-          <p:cNvPr id="6" name="Picture 5">
+          <p:cNvPr id="4" name="Picture 3">
             <a:extLst>
               <a:ext uri="{FF2B5EF4-FFF2-40B4-BE49-F238E27FC236}">
-                <a16:creationId xmlns:a16="http://schemas.microsoft.com/office/drawing/2014/main" id="{F3976341-27C1-407E-9C4C-C16DFBCA50F9}"/>
+                <a16:creationId xmlns:a16="http://schemas.microsoft.com/office/drawing/2014/main" id="{980D6217-F377-4F95-91EF-0195BE1B3EAF}"/>
               </a:ext>
             </a:extLst>
           </p:cNvPr>
@@ -16129,13 +16413,13 @@
         </p:nvPicPr>
         <p:blipFill rotWithShape="1">
           <a:blip r:embed="rId3"/>
-          <a:srcRect t="13415" r="2850" b="6353"/>
+          <a:srcRect l="-688" t="15452" r="3012" b="4379"/>
           <a:stretch/>
         </p:blipFill>
         <p:spPr>
           <a:xfrm>
-            <a:off x="1058449" y="1722328"/>
-            <a:ext cx="7258833" cy="3372074"/>
+            <a:off x="933189" y="1766169"/>
+            <a:ext cx="7315403" cy="3377331"/>
           </a:xfrm>
           <a:prstGeom prst="rect">
             <a:avLst/>
@@ -16145,7 +16429,7 @@
     </p:spTree>
     <p:extLst>
       <p:ext uri="{BB962C8B-B14F-4D97-AF65-F5344CB8AC3E}">
-        <p14:creationId xmlns:p14="http://schemas.microsoft.com/office/powerpoint/2010/main" val="3015342631"/>
+        <p14:creationId xmlns:p14="http://schemas.microsoft.com/office/powerpoint/2010/main" val="2563079804"/>
       </p:ext>
     </p:extLst>
   </p:cSld>
@@ -16216,7 +16500,7 @@
             </a:pPr>
             <a:r>
               <a:rPr lang="en-US" dirty="0"/>
-              <a:t>The Four Gates app - 4</a:t>
+              <a:t>The Four Gates app - 3</a:t>
             </a:r>
             <a:endParaRPr dirty="0"/>
           </a:p>
@@ -16260,31 +16544,15 @@
                   <a:schemeClr val="dk1"/>
                 </a:solidFill>
               </a:rPr>
-              <a:t>Click on a grey year-type headers on the right – </a:t>
-            </a:r>
-            <a:r>
-              <a:rPr lang="en-US" b="1" dirty="0">
-                <a:solidFill>
-                  <a:schemeClr val="dk1"/>
-                </a:solidFill>
-              </a:rPr>
-              <a:t>(</a:t>
-            </a:r>
-            <a:r>
-              <a:rPr lang="he-IL" b="1" dirty="0">
-                <a:solidFill>
-                  <a:schemeClr val="dk1"/>
-                </a:solidFill>
-              </a:rPr>
-              <a:t>פמ"פ</a:t>
-            </a:r>
-            <a:r>
-              <a:rPr lang="en-US" b="1" dirty="0">
-                <a:solidFill>
-                  <a:schemeClr val="dk1"/>
-                </a:solidFill>
-              </a:rPr>
-              <a:t>)</a:t>
+              <a:t>You can also set the </a:t>
+            </a:r>
+            <a:r>
+              <a:rPr lang="en-US" dirty="0" err="1">
+                <a:solidFill>
+                  <a:schemeClr val="dk1"/>
+                </a:solidFill>
+              </a:rPr>
+              <a:t>molad</a:t>
             </a:r>
             <a:r>
               <a:rPr lang="en-US" dirty="0">
@@ -16292,7 +16560,7 @@
                   <a:schemeClr val="dk1"/>
                 </a:solidFill>
               </a:rPr>
-              <a:t> here – and the </a:t>
+              <a:t> by hand in the green rectangle box on the bottom left. Again the other </a:t>
             </a:r>
             <a:r>
               <a:rPr lang="en-US" dirty="0" err="1">
@@ -16300,7 +16568,7 @@
                   <a:schemeClr val="dk1"/>
                 </a:solidFill>
               </a:rPr>
-              <a:t>molad</a:t>
+              <a:t>molads</a:t>
             </a:r>
             <a:r>
               <a:rPr lang="en-US" dirty="0">
@@ -16308,23 +16576,7 @@
                   <a:schemeClr val="dk1"/>
                 </a:solidFill>
               </a:rPr>
-              <a:t> pointers on the </a:t>
-            </a:r>
-            <a:r>
-              <a:rPr lang="en-US" i="1" dirty="0">
-                <a:solidFill>
-                  <a:schemeClr val="dk1"/>
-                </a:solidFill>
-              </a:rPr>
-              <a:t>left-</a:t>
-            </a:r>
-            <a:r>
-              <a:rPr lang="en-US" dirty="0">
-                <a:solidFill>
-                  <a:schemeClr val="dk1"/>
-                </a:solidFill>
-              </a:rPr>
-              <a:t>hand-side adjust, because the lengths of the years changed.</a:t>
+              <a:t> shift to match the new value.</a:t>
             </a:r>
           </a:p>
           <a:p>
@@ -16341,10 +16593,10 @@
       </p:sp>
       <p:pic>
         <p:nvPicPr>
-          <p:cNvPr id="3" name="Picture 2">
+          <p:cNvPr id="6" name="Picture 5">
             <a:extLst>
               <a:ext uri="{FF2B5EF4-FFF2-40B4-BE49-F238E27FC236}">
-                <a16:creationId xmlns:a16="http://schemas.microsoft.com/office/drawing/2014/main" id="{0F06759B-9764-444D-872B-7751AFC921BC}"/>
+                <a16:creationId xmlns:a16="http://schemas.microsoft.com/office/drawing/2014/main" id="{F3976341-27C1-407E-9C4C-C16DFBCA50F9}"/>
               </a:ext>
             </a:extLst>
           </p:cNvPr>
@@ -16355,13 +16607,13 @@
         </p:nvPicPr>
         <p:blipFill rotWithShape="1">
           <a:blip r:embed="rId3"/>
-          <a:srcRect t="13272" r="3409" b="7337"/>
+          <a:srcRect t="13415" r="2850" b="6353"/>
           <a:stretch/>
         </p:blipFill>
         <p:spPr>
           <a:xfrm>
-            <a:off x="963339" y="1737720"/>
-            <a:ext cx="7366470" cy="3405780"/>
+            <a:off x="1058449" y="1722328"/>
+            <a:ext cx="7258833" cy="3372074"/>
           </a:xfrm>
           <a:prstGeom prst="rect">
             <a:avLst/>
@@ -16371,7 +16623,7 @@
     </p:spTree>
     <p:extLst>
       <p:ext uri="{BB962C8B-B14F-4D97-AF65-F5344CB8AC3E}">
-        <p14:creationId xmlns:p14="http://schemas.microsoft.com/office/powerpoint/2010/main" val="2351851676"/>
+        <p14:creationId xmlns:p14="http://schemas.microsoft.com/office/powerpoint/2010/main" val="3015342631"/>
       </p:ext>
     </p:extLst>
   </p:cSld>
@@ -16442,7 +16694,7 @@
             </a:pPr>
             <a:r>
               <a:rPr lang="en-US" dirty="0"/>
-              <a:t>The Four Gates app - 5</a:t>
+              <a:t>The Four Gates app - 4</a:t>
             </a:r>
             <a:endParaRPr dirty="0"/>
           </a:p>
@@ -16486,7 +16738,39 @@
                   <a:schemeClr val="dk1"/>
                 </a:solidFill>
               </a:rPr>
-              <a:t>The red and green arrows always point from this year’s </a:t>
+              <a:t>Click on a grey year-type headers on the right – </a:t>
+            </a:r>
+            <a:r>
+              <a:rPr lang="en-US" b="1" dirty="0">
+                <a:solidFill>
+                  <a:schemeClr val="dk1"/>
+                </a:solidFill>
+              </a:rPr>
+              <a:t>(</a:t>
+            </a:r>
+            <a:r>
+              <a:rPr lang="he-IL" b="1" dirty="0">
+                <a:solidFill>
+                  <a:schemeClr val="dk1"/>
+                </a:solidFill>
+              </a:rPr>
+              <a:t>פמ"פ</a:t>
+            </a:r>
+            <a:r>
+              <a:rPr lang="en-US" b="1" dirty="0">
+                <a:solidFill>
+                  <a:schemeClr val="dk1"/>
+                </a:solidFill>
+              </a:rPr>
+              <a:t>)</a:t>
+            </a:r>
+            <a:r>
+              <a:rPr lang="en-US" dirty="0">
+                <a:solidFill>
+                  <a:schemeClr val="dk1"/>
+                </a:solidFill>
+              </a:rPr>
+              <a:t> here – and the </a:t>
             </a:r>
             <a:r>
               <a:rPr lang="en-US" dirty="0" err="1">
@@ -16502,15 +16786,15 @@
                   <a:schemeClr val="dk1"/>
                 </a:solidFill>
               </a:rPr>
-              <a:t> (red), and this year’s year type (green), to the actual calendar for that year. Here it is </a:t>
-            </a:r>
-            <a:r>
-              <a:rPr lang="he-IL" dirty="0">
-                <a:solidFill>
-                  <a:schemeClr val="dk1"/>
-                </a:solidFill>
-              </a:rPr>
-              <a:t>הח"א</a:t>
+              <a:t> pointers on the </a:t>
+            </a:r>
+            <a:r>
+              <a:rPr lang="en-US" i="1" dirty="0">
+                <a:solidFill>
+                  <a:schemeClr val="dk1"/>
+                </a:solidFill>
+              </a:rPr>
+              <a:t>left-</a:t>
             </a:r>
             <a:r>
               <a:rPr lang="en-US" dirty="0">
@@ -16518,7 +16802,7 @@
                   <a:schemeClr val="dk1"/>
                 </a:solidFill>
               </a:rPr>
-              <a:t>.</a:t>
+              <a:t>hand-side adjust, because the lengths of the years changed.</a:t>
             </a:r>
           </a:p>
           <a:p>
@@ -16554,8 +16838,8 @@
         </p:blipFill>
         <p:spPr>
           <a:xfrm>
-            <a:off x="895028" y="1743512"/>
-            <a:ext cx="7353944" cy="3399988"/>
+            <a:off x="963339" y="1737720"/>
+            <a:ext cx="7366470" cy="3405780"/>
           </a:xfrm>
           <a:prstGeom prst="rect">
             <a:avLst/>
@@ -16565,7 +16849,7 @@
     </p:spTree>
     <p:extLst>
       <p:ext uri="{BB962C8B-B14F-4D97-AF65-F5344CB8AC3E}">
-        <p14:creationId xmlns:p14="http://schemas.microsoft.com/office/powerpoint/2010/main" val="1139733192"/>
+        <p14:creationId xmlns:p14="http://schemas.microsoft.com/office/powerpoint/2010/main" val="2351851676"/>
       </p:ext>
     </p:extLst>
   </p:cSld>
@@ -16636,7 +16920,7 @@
             </a:pPr>
             <a:r>
               <a:rPr lang="en-US" dirty="0"/>
-              <a:t>The Four Gates app - 6</a:t>
+              <a:t>The Four Gates app - 5</a:t>
             </a:r>
             <a:endParaRPr dirty="0"/>
           </a:p>
@@ -16680,7 +16964,7 @@
                   <a:schemeClr val="dk1"/>
                 </a:solidFill>
               </a:rPr>
-              <a:t>If you enter the year in the box on the upper right, it will set the </a:t>
+              <a:t>The red and green arrows always point from this year’s </a:t>
             </a:r>
             <a:r>
               <a:rPr lang="en-US" dirty="0" err="1">
@@ -16696,15 +16980,15 @@
                   <a:schemeClr val="dk1"/>
                 </a:solidFill>
               </a:rPr>
-              <a:t> to the </a:t>
-            </a:r>
-            <a:r>
-              <a:rPr lang="en-US" dirty="0" err="1">
-                <a:solidFill>
-                  <a:schemeClr val="dk1"/>
-                </a:solidFill>
-              </a:rPr>
-              <a:t>molad</a:t>
+              <a:t> (red), and this year’s year type (green), to the actual calendar for that year. Here it is </a:t>
+            </a:r>
+            <a:r>
+              <a:rPr lang="he-IL" dirty="0">
+                <a:solidFill>
+                  <a:schemeClr val="dk1"/>
+                </a:solidFill>
+              </a:rPr>
+              <a:t>הח"א</a:t>
             </a:r>
             <a:r>
               <a:rPr lang="en-US" dirty="0">
@@ -16712,23 +16996,7 @@
                   <a:schemeClr val="dk1"/>
                 </a:solidFill>
               </a:rPr>
-              <a:t> </a:t>
-            </a:r>
-            <a:r>
-              <a:rPr lang="en-US" dirty="0" err="1">
-                <a:solidFill>
-                  <a:schemeClr val="dk1"/>
-                </a:solidFill>
-              </a:rPr>
-              <a:t>Tishrei</a:t>
-            </a:r>
-            <a:r>
-              <a:rPr lang="en-US" dirty="0">
-                <a:solidFill>
-                  <a:schemeClr val="dk1"/>
-                </a:solidFill>
-              </a:rPr>
-              <a:t> for that year - and give the correct calendar. This year:</a:t>
+              <a:t>.</a:t>
             </a:r>
           </a:p>
           <a:p>
@@ -16745,10 +17013,10 @@
       </p:sp>
       <p:pic>
         <p:nvPicPr>
-          <p:cNvPr id="4" name="Picture 3">
+          <p:cNvPr id="3" name="Picture 2">
             <a:extLst>
               <a:ext uri="{FF2B5EF4-FFF2-40B4-BE49-F238E27FC236}">
-                <a16:creationId xmlns:a16="http://schemas.microsoft.com/office/drawing/2014/main" id="{88BE1486-9201-42B9-B210-A52D0BF12975}"/>
+                <a16:creationId xmlns:a16="http://schemas.microsoft.com/office/drawing/2014/main" id="{0F06759B-9764-444D-872B-7751AFC921BC}"/>
               </a:ext>
             </a:extLst>
           </p:cNvPr>
@@ -16759,13 +17027,13 @@
         </p:nvPicPr>
         <p:blipFill rotWithShape="1">
           <a:blip r:embed="rId3"/>
-          <a:srcRect t="14247" r="3409" b="6971"/>
+          <a:srcRect t="13272" r="3409" b="7337"/>
           <a:stretch/>
         </p:blipFill>
         <p:spPr>
           <a:xfrm>
-            <a:off x="829849" y="1746635"/>
-            <a:ext cx="7449855" cy="3417918"/>
+            <a:off x="895028" y="1743512"/>
+            <a:ext cx="7353944" cy="3399988"/>
           </a:xfrm>
           <a:prstGeom prst="rect">
             <a:avLst/>
@@ -16775,7 +17043,7 @@
     </p:spTree>
     <p:extLst>
       <p:ext uri="{BB962C8B-B14F-4D97-AF65-F5344CB8AC3E}">
-        <p14:creationId xmlns:p14="http://schemas.microsoft.com/office/powerpoint/2010/main" val="3271336010"/>
+        <p14:creationId xmlns:p14="http://schemas.microsoft.com/office/powerpoint/2010/main" val="1139733192"/>
       </p:ext>
     </p:extLst>
   </p:cSld>
@@ -16846,7 +17114,7 @@
             </a:pPr>
             <a:r>
               <a:rPr lang="en-US" dirty="0"/>
-              <a:t>The Four Gates app – 7a</a:t>
+              <a:t>The Four Gates app - 6</a:t>
             </a:r>
             <a:endParaRPr dirty="0"/>
           </a:p>
@@ -16890,7 +17158,7 @@
                   <a:schemeClr val="dk1"/>
                 </a:solidFill>
               </a:rPr>
-              <a:t>Okay, let’s look at those transitions from the Tur! These are the </a:t>
+              <a:t>If you enter the year in the box on the upper right, it will set the </a:t>
             </a:r>
             <a:r>
               <a:rPr lang="en-US" dirty="0" err="1">
@@ -16906,7 +17174,7 @@
                   <a:schemeClr val="dk1"/>
                 </a:solidFill>
               </a:rPr>
-              <a:t> times in the column titled “Molad </a:t>
+              <a:t> to the </a:t>
             </a:r>
             <a:r>
               <a:rPr lang="en-US" dirty="0" err="1">
@@ -16914,6 +17182,22 @@
                   <a:schemeClr val="dk1"/>
                 </a:solidFill>
               </a:rPr>
+              <a:t>molad</a:t>
+            </a:r>
+            <a:r>
+              <a:rPr lang="en-US" dirty="0">
+                <a:solidFill>
+                  <a:schemeClr val="dk1"/>
+                </a:solidFill>
+              </a:rPr>
+              <a:t> </a:t>
+            </a:r>
+            <a:r>
+              <a:rPr lang="en-US" dirty="0" err="1">
+                <a:solidFill>
+                  <a:schemeClr val="dk1"/>
+                </a:solidFill>
+              </a:rPr>
               <a:t>Tishrei</a:t>
             </a:r>
             <a:r>
@@ -16922,7 +17206,7 @@
                   <a:schemeClr val="dk1"/>
                 </a:solidFill>
               </a:rPr>
-              <a:t>”. Hover over one of them for its story.</a:t>
+              <a:t> for that year - and give the correct calendar. This year:</a:t>
             </a:r>
           </a:p>
           <a:p>
@@ -16939,10 +17223,10 @@
       </p:sp>
       <p:pic>
         <p:nvPicPr>
-          <p:cNvPr id="6" name="Picture 5">
+          <p:cNvPr id="4" name="Picture 3">
             <a:extLst>
               <a:ext uri="{FF2B5EF4-FFF2-40B4-BE49-F238E27FC236}">
-                <a16:creationId xmlns:a16="http://schemas.microsoft.com/office/drawing/2014/main" id="{A1D72212-102B-413D-81A7-DCB90AC41451}"/>
+                <a16:creationId xmlns:a16="http://schemas.microsoft.com/office/drawing/2014/main" id="{88BE1486-9201-42B9-B210-A52D0BF12975}"/>
               </a:ext>
             </a:extLst>
           </p:cNvPr>
@@ -16953,13 +17237,13 @@
         </p:nvPicPr>
         <p:blipFill rotWithShape="1">
           <a:blip r:embed="rId3"/>
-          <a:srcRect t="12907" r="2877" b="8674"/>
+          <a:srcRect t="14247" r="3409" b="6971"/>
           <a:stretch/>
         </p:blipFill>
         <p:spPr>
           <a:xfrm>
-            <a:off x="610644" y="1680296"/>
-            <a:ext cx="7625220" cy="3463204"/>
+            <a:off x="829849" y="1746635"/>
+            <a:ext cx="7449855" cy="3417918"/>
           </a:xfrm>
           <a:prstGeom prst="rect">
             <a:avLst/>
@@ -16969,7 +17253,7 @@
     </p:spTree>
     <p:extLst>
       <p:ext uri="{BB962C8B-B14F-4D97-AF65-F5344CB8AC3E}">
-        <p14:creationId xmlns:p14="http://schemas.microsoft.com/office/powerpoint/2010/main" val="1208943931"/>
+        <p14:creationId xmlns:p14="http://schemas.microsoft.com/office/powerpoint/2010/main" val="3271336010"/>
       </p:ext>
     </p:extLst>
   </p:cSld>
@@ -17040,7 +17324,7 @@
             </a:pPr>
             <a:r>
               <a:rPr lang="en-US" dirty="0"/>
-              <a:t>The Four Gates app – 7b</a:t>
+              <a:t>The Four Gates app – 7a</a:t>
             </a:r>
             <a:endParaRPr dirty="0"/>
           </a:p>
@@ -17084,17 +17368,59 @@
                   <a:schemeClr val="dk1"/>
                 </a:solidFill>
               </a:rPr>
-              <a:t>If you click on one of them, (a) a full explanation appears in the Stories section:</a:t>
-            </a:r>
+              <a:t>Okay, let’s look at those transitions from the Tur! These are the </a:t>
+            </a:r>
+            <a:r>
+              <a:rPr lang="en-US" dirty="0" err="1">
+                <a:solidFill>
+                  <a:schemeClr val="dk1"/>
+                </a:solidFill>
+              </a:rPr>
+              <a:t>molad</a:t>
+            </a:r>
+            <a:r>
+              <a:rPr lang="en-US" dirty="0">
+                <a:solidFill>
+                  <a:schemeClr val="dk1"/>
+                </a:solidFill>
+              </a:rPr>
+              <a:t> times in the column titled “Molad </a:t>
+            </a:r>
+            <a:r>
+              <a:rPr lang="en-US" dirty="0" err="1">
+                <a:solidFill>
+                  <a:schemeClr val="dk1"/>
+                </a:solidFill>
+              </a:rPr>
+              <a:t>Tishrei</a:t>
+            </a:r>
+            <a:r>
+              <a:rPr lang="en-US" dirty="0">
+                <a:solidFill>
+                  <a:schemeClr val="dk1"/>
+                </a:solidFill>
+              </a:rPr>
+              <a:t>”. Hover over one of them for its story.</a:t>
+            </a:r>
+          </a:p>
+          <a:p>
+            <a:pPr marL="114300" indent="0">
+              <a:buNone/>
+            </a:pPr>
+            <a:endParaRPr lang="en-US" dirty="0">
+              <a:solidFill>
+                <a:schemeClr val="dk1"/>
+              </a:solidFill>
+            </a:endParaRPr>
           </a:p>
         </p:txBody>
       </p:sp>
       <p:pic>
         <p:nvPicPr>
-          <p:cNvPr id="3" name="Picture 2">
+          <p:cNvPr id="6" name="Picture 5">
             <a:extLst>
               <a:ext uri="{FF2B5EF4-FFF2-40B4-BE49-F238E27FC236}">
-                <a16:creationId xmlns:a16="http://schemas.microsoft.com/office/drawing/2014/main" id="{5EC21C33-7660-4B89-844E-3ED1BA20B58D}"/>
+                <a16:creationId xmlns:a16="http://schemas.microsoft.com/office/drawing/2014/main" id="{A1D72212-102B-413D-81A7-DCB90AC41451}"/>
               </a:ext>
             </a:extLst>
           </p:cNvPr>
@@ -17105,13 +17431,13 @@
         </p:nvPicPr>
         <p:blipFill rotWithShape="1">
           <a:blip r:embed="rId3"/>
-          <a:srcRect t="13150" r="1484" b="5067"/>
+          <a:srcRect t="12907" r="2877" b="8674"/>
           <a:stretch/>
         </p:blipFill>
         <p:spPr>
           <a:xfrm>
-            <a:off x="492373" y="1453370"/>
-            <a:ext cx="7781069" cy="3633413"/>
+            <a:off x="610644" y="1680296"/>
+            <a:ext cx="7625220" cy="3463204"/>
           </a:xfrm>
           <a:prstGeom prst="rect">
             <a:avLst/>
@@ -17121,7 +17447,7 @@
     </p:spTree>
     <p:extLst>
       <p:ext uri="{BB962C8B-B14F-4D97-AF65-F5344CB8AC3E}">
-        <p14:creationId xmlns:p14="http://schemas.microsoft.com/office/powerpoint/2010/main" val="1577065646"/>
+        <p14:creationId xmlns:p14="http://schemas.microsoft.com/office/powerpoint/2010/main" val="1208943931"/>
       </p:ext>
     </p:extLst>
   </p:cSld>
@@ -17192,7 +17518,7 @@
             </a:pPr>
             <a:r>
               <a:rPr lang="en-US" dirty="0"/>
-              <a:t>The Four Gates app – 7c</a:t>
+              <a:t>The Four Gates app – 7b</a:t>
             </a:r>
             <a:endParaRPr dirty="0"/>
           </a:p>
@@ -17231,79 +17557,22 @@
               <a:buNone/>
             </a:pPr>
             <a:r>
-              <a:rPr lang="en-US" i="1" dirty="0">
-                <a:solidFill>
-                  <a:schemeClr val="dk1"/>
-                </a:solidFill>
-              </a:rPr>
-              <a:t>Also</a:t>
-            </a:r>
-            <a:r>
               <a:rPr lang="en-US" dirty="0">
                 <a:solidFill>
                   <a:schemeClr val="dk1"/>
                 </a:solidFill>
               </a:rPr>
-              <a:t>, (b) the </a:t>
-            </a:r>
-            <a:r>
-              <a:rPr lang="en-US" dirty="0" err="1">
-                <a:solidFill>
-                  <a:schemeClr val="dk1"/>
-                </a:solidFill>
-              </a:rPr>
-              <a:t>molad</a:t>
-            </a:r>
-            <a:r>
-              <a:rPr lang="en-US" dirty="0">
-                <a:solidFill>
-                  <a:schemeClr val="dk1"/>
-                </a:solidFill>
-              </a:rPr>
-              <a:t> is set on the left. You can see all the changes that happened in the relevant years: initial Rosh Hashana, and where it ended up (</a:t>
-            </a:r>
-            <a:r>
-              <a:rPr lang="en-US" dirty="0">
-                <a:solidFill>
-                  <a:schemeClr val="accent5">
-                    <a:lumMod val="75000"/>
-                  </a:schemeClr>
-                </a:solidFill>
-              </a:rPr>
-              <a:t>blue</a:t>
-            </a:r>
-            <a:r>
-              <a:rPr lang="en-US" dirty="0">
-                <a:solidFill>
-                  <a:schemeClr val="dk1"/>
-                </a:solidFill>
-              </a:rPr>
-              <a:t> bar(s)).</a:t>
-            </a:r>
-            <a:endParaRPr lang="en-US" i="1" dirty="0">
-              <a:solidFill>
-                <a:schemeClr val="dk1"/>
-              </a:solidFill>
-            </a:endParaRPr>
-          </a:p>
-          <a:p>
-            <a:pPr marL="114300" indent="0">
-              <a:buNone/>
-            </a:pPr>
-            <a:endParaRPr lang="en-US" dirty="0">
-              <a:solidFill>
-                <a:schemeClr val="dk1"/>
-              </a:solidFill>
-            </a:endParaRPr>
+              <a:t>If you click on one of them, (a) a full explanation appears in the Stories section:</a:t>
+            </a:r>
           </a:p>
         </p:txBody>
       </p:sp>
       <p:pic>
         <p:nvPicPr>
-          <p:cNvPr id="4" name="Picture 3">
+          <p:cNvPr id="3" name="Picture 2">
             <a:extLst>
               <a:ext uri="{FF2B5EF4-FFF2-40B4-BE49-F238E27FC236}">
-                <a16:creationId xmlns:a16="http://schemas.microsoft.com/office/drawing/2014/main" id="{5888F8FC-1606-4621-A095-F1CEBA29CB2C}"/>
+                <a16:creationId xmlns:a16="http://schemas.microsoft.com/office/drawing/2014/main" id="{5EC21C33-7660-4B89-844E-3ED1BA20B58D}"/>
               </a:ext>
             </a:extLst>
           </p:cNvPr>
@@ -17314,13 +17583,13 @@
         </p:nvPicPr>
         <p:blipFill rotWithShape="1">
           <a:blip r:embed="rId3"/>
-          <a:srcRect t="12995" r="3517" b="9655"/>
+          <a:srcRect t="13150" r="1484" b="5067"/>
           <a:stretch/>
         </p:blipFill>
         <p:spPr>
           <a:xfrm>
-            <a:off x="870558" y="1734489"/>
-            <a:ext cx="7559458" cy="3409011"/>
+            <a:off x="492373" y="1453370"/>
+            <a:ext cx="7781069" cy="3633413"/>
           </a:xfrm>
           <a:prstGeom prst="rect">
             <a:avLst/>
@@ -17330,7 +17599,7 @@
     </p:spTree>
     <p:extLst>
       <p:ext uri="{BB962C8B-B14F-4D97-AF65-F5344CB8AC3E}">
-        <p14:creationId xmlns:p14="http://schemas.microsoft.com/office/powerpoint/2010/main" val="1008185226"/>
+        <p14:creationId xmlns:p14="http://schemas.microsoft.com/office/powerpoint/2010/main" val="1577065646"/>
       </p:ext>
     </p:extLst>
   </p:cSld>
@@ -17401,7 +17670,7 @@
             </a:pPr>
             <a:r>
               <a:rPr lang="en-US" dirty="0"/>
-              <a:t>The Four Gates app – 7d</a:t>
+              <a:t>The Four Gates app – 7c</a:t>
             </a:r>
             <a:endParaRPr dirty="0"/>
           </a:p>
@@ -17440,12 +17709,20 @@
               <a:buNone/>
             </a:pPr>
             <a:r>
+              <a:rPr lang="en-US" i="1" dirty="0">
+                <a:solidFill>
+                  <a:schemeClr val="dk1"/>
+                </a:solidFill>
+              </a:rPr>
+              <a:t>Also</a:t>
+            </a:r>
+            <a:r>
               <a:rPr lang="en-US" dirty="0">
                 <a:solidFill>
                   <a:schemeClr val="dk1"/>
                 </a:solidFill>
               </a:rPr>
-              <a:t>You will see the </a:t>
+              <a:t>, (b) the </a:t>
             </a:r>
             <a:r>
               <a:rPr lang="en-US" dirty="0" err="1">
@@ -17461,31 +17738,17 @@
                   <a:schemeClr val="dk1"/>
                 </a:solidFill>
               </a:rPr>
-              <a:t> </a:t>
-            </a:r>
-            <a:r>
-              <a:rPr lang="en-US" dirty="0" err="1">
-                <a:solidFill>
-                  <a:schemeClr val="dk1"/>
-                </a:solidFill>
-              </a:rPr>
-              <a:t>Tishrei</a:t>
+              <a:t> is set on the left. You can see all the changes that happened in the relevant years: initial Rosh Hashana, and where it ended up (</a:t>
             </a:r>
             <a:r>
               <a:rPr lang="en-US" dirty="0">
                 <a:solidFill>
-                  <a:schemeClr val="dk1"/>
-                </a:solidFill>
-              </a:rPr>
-              <a:t> that triggered the rest, as it passed an 18h mark (</a:t>
-            </a:r>
-            <a:r>
-              <a:rPr lang="he-IL" dirty="0">
-                <a:solidFill>
-                  <a:schemeClr val="dk1"/>
-                </a:solidFill>
-              </a:rPr>
-              <a:t>מולד זקן</a:t>
+                  <a:schemeClr val="accent5">
+                    <a:lumMod val="75000"/>
+                  </a:schemeClr>
+                </a:solidFill>
+              </a:rPr>
+              <a:t>blue</a:t>
             </a:r>
             <a:r>
               <a:rPr lang="en-US" dirty="0">
@@ -17493,40 +17756,13 @@
                   <a:schemeClr val="dk1"/>
                 </a:solidFill>
               </a:rPr>
-              <a:t>). In this case (2d 15h 589ch), it was </a:t>
-            </a:r>
-            <a:r>
-              <a:rPr lang="en-US" i="1" dirty="0">
-                <a:solidFill>
-                  <a:schemeClr val="dk1"/>
-                </a:solidFill>
-              </a:rPr>
-              <a:t>last</a:t>
-            </a:r>
-            <a:r>
-              <a:rPr lang="en-US" dirty="0">
-                <a:solidFill>
-                  <a:schemeClr val="dk1"/>
-                </a:solidFill>
-              </a:rPr>
-              <a:t> year’s </a:t>
-            </a:r>
-            <a:r>
-              <a:rPr lang="en-US" dirty="0" err="1">
-                <a:solidFill>
-                  <a:schemeClr val="dk1"/>
-                </a:solidFill>
-              </a:rPr>
-              <a:t>molad</a:t>
-            </a:r>
-            <a:r>
-              <a:rPr lang="en-US" dirty="0">
-                <a:solidFill>
-                  <a:schemeClr val="dk1"/>
-                </a:solidFill>
-              </a:rPr>
-              <a:t> (fourth column).</a:t>
-            </a:r>
+              <a:t> bar(s)).</a:t>
+            </a:r>
+            <a:endParaRPr lang="en-US" i="1" dirty="0">
+              <a:solidFill>
+                <a:schemeClr val="dk1"/>
+              </a:solidFill>
+            </a:endParaRPr>
           </a:p>
           <a:p>
             <a:pPr marL="114300" indent="0">
@@ -17572,7 +17808,7 @@
     </p:spTree>
     <p:extLst>
       <p:ext uri="{BB962C8B-B14F-4D97-AF65-F5344CB8AC3E}">
-        <p14:creationId xmlns:p14="http://schemas.microsoft.com/office/powerpoint/2010/main" val="3180933007"/>
+        <p14:creationId xmlns:p14="http://schemas.microsoft.com/office/powerpoint/2010/main" val="1008185226"/>
       </p:ext>
     </p:extLst>
   </p:cSld>
@@ -17643,7 +17879,7 @@
             </a:pPr>
             <a:r>
               <a:rPr lang="en-US" dirty="0"/>
-              <a:t>The Four Gates app – 7e</a:t>
+              <a:t>The Four Gates app – 7d</a:t>
             </a:r>
             <a:endParaRPr dirty="0"/>
           </a:p>
@@ -17687,7 +17923,87 @@
                   <a:schemeClr val="dk1"/>
                 </a:solidFill>
               </a:rPr>
-              <a:t>In this way, you can see how each of the Tur’s transitions works.</a:t>
+              <a:t>You will see the </a:t>
+            </a:r>
+            <a:r>
+              <a:rPr lang="en-US" dirty="0" err="1">
+                <a:solidFill>
+                  <a:schemeClr val="dk1"/>
+                </a:solidFill>
+              </a:rPr>
+              <a:t>molad</a:t>
+            </a:r>
+            <a:r>
+              <a:rPr lang="en-US" dirty="0">
+                <a:solidFill>
+                  <a:schemeClr val="dk1"/>
+                </a:solidFill>
+              </a:rPr>
+              <a:t> </a:t>
+            </a:r>
+            <a:r>
+              <a:rPr lang="en-US" dirty="0" err="1">
+                <a:solidFill>
+                  <a:schemeClr val="dk1"/>
+                </a:solidFill>
+              </a:rPr>
+              <a:t>Tishrei</a:t>
+            </a:r>
+            <a:r>
+              <a:rPr lang="en-US" dirty="0">
+                <a:solidFill>
+                  <a:schemeClr val="dk1"/>
+                </a:solidFill>
+              </a:rPr>
+              <a:t> that triggered the rest, as it passed an 18h mark (</a:t>
+            </a:r>
+            <a:r>
+              <a:rPr lang="he-IL" dirty="0">
+                <a:solidFill>
+                  <a:schemeClr val="dk1"/>
+                </a:solidFill>
+              </a:rPr>
+              <a:t>מולד זקן</a:t>
+            </a:r>
+            <a:r>
+              <a:rPr lang="en-US" dirty="0">
+                <a:solidFill>
+                  <a:schemeClr val="dk1"/>
+                </a:solidFill>
+              </a:rPr>
+              <a:t>). In this case (2d 15h 589ch), it was </a:t>
+            </a:r>
+            <a:r>
+              <a:rPr lang="en-US" i="1" dirty="0">
+                <a:solidFill>
+                  <a:schemeClr val="dk1"/>
+                </a:solidFill>
+              </a:rPr>
+              <a:t>last</a:t>
+            </a:r>
+            <a:r>
+              <a:rPr lang="en-US" dirty="0">
+                <a:solidFill>
+                  <a:schemeClr val="dk1"/>
+                </a:solidFill>
+              </a:rPr>
+              <a:t> year’s </a:t>
+            </a:r>
+            <a:r>
+              <a:rPr lang="en-US" dirty="0" err="1">
+                <a:solidFill>
+                  <a:schemeClr val="dk1"/>
+                </a:solidFill>
+              </a:rPr>
+              <a:t>molad</a:t>
+            </a:r>
+            <a:r>
+              <a:rPr lang="en-US" dirty="0">
+                <a:solidFill>
+                  <a:schemeClr val="dk1"/>
+                </a:solidFill>
+              </a:rPr>
+              <a:t> (fourth column).</a:t>
             </a:r>
           </a:p>
           <a:p>
@@ -17704,10 +18020,10 @@
       </p:sp>
       <p:pic>
         <p:nvPicPr>
-          <p:cNvPr id="6" name="Picture 5">
+          <p:cNvPr id="4" name="Picture 3">
             <a:extLst>
               <a:ext uri="{FF2B5EF4-FFF2-40B4-BE49-F238E27FC236}">
-                <a16:creationId xmlns:a16="http://schemas.microsoft.com/office/drawing/2014/main" id="{08E41BB4-E4FC-4AC1-87C3-5E11ECB62D7D}"/>
+                <a16:creationId xmlns:a16="http://schemas.microsoft.com/office/drawing/2014/main" id="{5888F8FC-1606-4621-A095-F1CEBA29CB2C}"/>
               </a:ext>
             </a:extLst>
           </p:cNvPr>
@@ -17718,13 +18034,13 @@
         </p:nvPicPr>
         <p:blipFill rotWithShape="1">
           <a:blip r:embed="rId3"/>
-          <a:srcRect t="11962" r="2701" b="6715"/>
+          <a:srcRect t="12995" r="3517" b="9655"/>
           <a:stretch/>
         </p:blipFill>
         <p:spPr>
           <a:xfrm>
-            <a:off x="770351" y="1515650"/>
-            <a:ext cx="7446724" cy="3501024"/>
+            <a:off x="870558" y="1734489"/>
+            <a:ext cx="7559458" cy="3409011"/>
           </a:xfrm>
           <a:prstGeom prst="rect">
             <a:avLst/>
@@ -17734,7 +18050,7 @@
     </p:spTree>
     <p:extLst>
       <p:ext uri="{BB962C8B-B14F-4D97-AF65-F5344CB8AC3E}">
-        <p14:creationId xmlns:p14="http://schemas.microsoft.com/office/powerpoint/2010/main" val="3500563872"/>
+        <p14:creationId xmlns:p14="http://schemas.microsoft.com/office/powerpoint/2010/main" val="3180933007"/>
       </p:ext>
     </p:extLst>
   </p:cSld>
@@ -18064,7 +18380,7 @@
                   <a:schemeClr val="dk1"/>
                 </a:solidFill>
               </a:rPr>
-              <a:t>Details are in “This Year’s Calendar”. Here I assume that the reader is familiar with the 19 year cycle and how to calculate the </a:t>
+              <a:t>Details are in “This Year’s Calendar”. Here I assume that the reader is familiar with the 19 year cycle, and with how to calculate the </a:t>
             </a:r>
             <a:r>
               <a:rPr lang="en-US" dirty="0" err="1">
@@ -18095,6 +18411,168 @@
 </file>
 
 <file path=ppt/slides/slide30.xml><?xml version="1.0" encoding="utf-8"?>
+<p:sld xmlns:a="http://schemas.openxmlformats.org/drawingml/2006/main" xmlns:r="http://schemas.openxmlformats.org/officeDocument/2006/relationships" xmlns:p="http://schemas.openxmlformats.org/presentationml/2006/main">
+  <p:cSld>
+    <p:spTree>
+      <p:nvGrpSpPr>
+        <p:cNvPr id="1" name="Shape 64"/>
+        <p:cNvGrpSpPr/>
+        <p:nvPr/>
+      </p:nvGrpSpPr>
+      <p:grpSpPr>
+        <a:xfrm>
+          <a:off x="0" y="0"/>
+          <a:ext cx="0" cy="0"/>
+          <a:chOff x="0" y="0"/>
+          <a:chExt cx="0" cy="0"/>
+        </a:xfrm>
+      </p:grpSpPr>
+      <p:sp>
+        <p:nvSpPr>
+          <p:cNvPr id="65" name="Google Shape;65;p3"/>
+          <p:cNvSpPr txBox="1">
+            <a:spLocks noGrp="1"/>
+          </p:cNvSpPr>
+          <p:nvPr>
+            <p:ph type="title"/>
+          </p:nvPr>
+        </p:nvSpPr>
+        <p:spPr>
+          <a:xfrm>
+            <a:off x="311700" y="445025"/>
+            <a:ext cx="8520600" cy="572700"/>
+          </a:xfrm>
+          <a:prstGeom prst="rect">
+            <a:avLst/>
+          </a:prstGeom>
+          <a:noFill/>
+          <a:ln>
+            <a:noFill/>
+          </a:ln>
+        </p:spPr>
+        <p:txBody>
+          <a:bodyPr spcFirstLastPara="1" wrap="square" lIns="91425" tIns="91425" rIns="91425" bIns="91425" anchor="t" anchorCtr="0">
+            <a:noAutofit/>
+          </a:bodyPr>
+          <a:lstStyle/>
+          <a:p>
+            <a:pPr marL="0" lvl="0" indent="0" algn="l" rtl="0">
+              <a:lnSpc>
+                <a:spcPct val="100000"/>
+              </a:lnSpc>
+              <a:spcBef>
+                <a:spcPts val="0"/>
+              </a:spcBef>
+              <a:spcAft>
+                <a:spcPts val="0"/>
+              </a:spcAft>
+              <a:buSzPts val="2800"/>
+              <a:buNone/>
+            </a:pPr>
+            <a:r>
+              <a:rPr lang="en-US" dirty="0"/>
+              <a:t>The Four Gates app – 7e</a:t>
+            </a:r>
+            <a:endParaRPr dirty="0"/>
+          </a:p>
+        </p:txBody>
+      </p:sp>
+      <p:sp>
+        <p:nvSpPr>
+          <p:cNvPr id="66" name="Google Shape;66;p3"/>
+          <p:cNvSpPr txBox="1">
+            <a:spLocks noGrp="1"/>
+          </p:cNvSpPr>
+          <p:nvPr>
+            <p:ph type="body" idx="1"/>
+          </p:nvPr>
+        </p:nvSpPr>
+        <p:spPr>
+          <a:xfrm>
+            <a:off x="311700" y="1017725"/>
+            <a:ext cx="8520600" cy="3912084"/>
+          </a:xfrm>
+          <a:prstGeom prst="rect">
+            <a:avLst/>
+          </a:prstGeom>
+          <a:noFill/>
+          <a:ln>
+            <a:noFill/>
+          </a:ln>
+        </p:spPr>
+        <p:txBody>
+          <a:bodyPr spcFirstLastPara="1" wrap="square" lIns="91425" tIns="91425" rIns="91425" bIns="91425" anchor="t" anchorCtr="0">
+            <a:noAutofit/>
+          </a:bodyPr>
+          <a:lstStyle/>
+          <a:p>
+            <a:pPr marL="114300" indent="0">
+              <a:buNone/>
+            </a:pPr>
+            <a:r>
+              <a:rPr lang="en-US" dirty="0">
+                <a:solidFill>
+                  <a:schemeClr val="dk1"/>
+                </a:solidFill>
+              </a:rPr>
+              <a:t>In this way, you can see how each of the Tur’s transitions works.</a:t>
+            </a:r>
+          </a:p>
+          <a:p>
+            <a:pPr marL="114300" indent="0">
+              <a:buNone/>
+            </a:pPr>
+            <a:endParaRPr lang="en-US" dirty="0">
+              <a:solidFill>
+                <a:schemeClr val="dk1"/>
+              </a:solidFill>
+            </a:endParaRPr>
+          </a:p>
+        </p:txBody>
+      </p:sp>
+      <p:pic>
+        <p:nvPicPr>
+          <p:cNvPr id="6" name="Picture 5">
+            <a:extLst>
+              <a:ext uri="{FF2B5EF4-FFF2-40B4-BE49-F238E27FC236}">
+                <a16:creationId xmlns:a16="http://schemas.microsoft.com/office/drawing/2014/main" id="{08E41BB4-E4FC-4AC1-87C3-5E11ECB62D7D}"/>
+              </a:ext>
+            </a:extLst>
+          </p:cNvPr>
+          <p:cNvPicPr>
+            <a:picLocks noChangeAspect="1"/>
+          </p:cNvPicPr>
+          <p:nvPr/>
+        </p:nvPicPr>
+        <p:blipFill rotWithShape="1">
+          <a:blip r:embed="rId3"/>
+          <a:srcRect t="11962" r="2701" b="6715"/>
+          <a:stretch/>
+        </p:blipFill>
+        <p:spPr>
+          <a:xfrm>
+            <a:off x="770351" y="1515650"/>
+            <a:ext cx="7446724" cy="3501024"/>
+          </a:xfrm>
+          <a:prstGeom prst="rect">
+            <a:avLst/>
+          </a:prstGeom>
+        </p:spPr>
+      </p:pic>
+    </p:spTree>
+    <p:extLst>
+      <p:ext uri="{BB962C8B-B14F-4D97-AF65-F5344CB8AC3E}">
+        <p14:creationId xmlns:p14="http://schemas.microsoft.com/office/powerpoint/2010/main" val="3500563872"/>
+      </p:ext>
+    </p:extLst>
+  </p:cSld>
+  <p:clrMapOvr>
+    <a:masterClrMapping/>
+  </p:clrMapOvr>
+</p:sld>
+</file>
+
+<file path=ppt/slides/slide31.xml><?xml version="1.0" encoding="utf-8"?>
 <p:sld xmlns:a="http://schemas.openxmlformats.org/drawingml/2006/main" xmlns:r="http://schemas.openxmlformats.org/officeDocument/2006/relationships" xmlns:p="http://schemas.openxmlformats.org/presentationml/2006/main">
   <p:cSld>
     <p:spTree>
@@ -18985,7 +19463,7 @@
                   <a:schemeClr val="dk1"/>
                 </a:solidFill>
               </a:rPr>
-              <a:t>”, additional adjustments to Rosh Hashana:</a:t>
+              <a:t>”, additional adjustments to Rosh Hashana are made in various ways. Let’s start with the original system.</a:t>
             </a:r>
           </a:p>
           <a:p>
@@ -21076,7 +21554,7 @@
                   <a:schemeClr val="dk1"/>
                 </a:solidFill>
               </a:rPr>
-              <a:t>Use the rule </a:t>
+              <a:t>Use the rule  </a:t>
             </a:r>
             <a:r>
               <a:rPr lang="he-IL" dirty="0">
@@ -21092,7 +21570,7 @@
                   <a:schemeClr val="tx1"/>
                 </a:solidFill>
               </a:rPr>
-              <a:t>. I</a:t>
+              <a:t> to find what is allowed. I</a:t>
             </a:r>
             <a:r>
               <a:rPr lang="en-US" dirty="0">
@@ -21100,7 +21578,23 @@
                   <a:schemeClr val="dk1"/>
                 </a:solidFill>
               </a:rPr>
-              <a:t>f any year is too long, move the day of Rosh Hashana at its beginning forward one day to adjust. If that violates </a:t>
+              <a:t>f any year is too long, move the day of Rosh Hashana at its </a:t>
+            </a:r>
+            <a:r>
+              <a:rPr lang="en-US" i="1" dirty="0">
+                <a:solidFill>
+                  <a:schemeClr val="dk1"/>
+                </a:solidFill>
+              </a:rPr>
+              <a:t>beginning</a:t>
+            </a:r>
+            <a:r>
+              <a:rPr lang="en-US" dirty="0">
+                <a:solidFill>
+                  <a:schemeClr val="dk1"/>
+                </a:solidFill>
+              </a:rPr>
+              <a:t> one day later to adjust. If that violates </a:t>
             </a:r>
             <a:r>
               <a:rPr lang="he-IL" dirty="0">
@@ -21171,7 +21665,7 @@
                   <a:schemeClr val="dk1"/>
                 </a:solidFill>
               </a:rPr>
-              <a:t> forward one day to adjust, same idea.</a:t>
+              <a:t> one day later to adjust, same idea.</a:t>
             </a:r>
           </a:p>
         </p:txBody>
@@ -21399,7 +21893,23 @@
                   <a:schemeClr val="dk1"/>
                 </a:solidFill>
               </a:rPr>
-              <a:t>molads</a:t>
+              <a:t>molad</a:t>
+            </a:r>
+            <a:r>
+              <a:rPr lang="en-US" dirty="0">
+                <a:solidFill>
+                  <a:schemeClr val="dk1"/>
+                </a:solidFill>
+              </a:rPr>
+              <a:t> </a:t>
+            </a:r>
+            <a:r>
+              <a:rPr lang="en-US" dirty="0" err="1">
+                <a:solidFill>
+                  <a:schemeClr val="dk1"/>
+                </a:solidFill>
+              </a:rPr>
+              <a:t>Tishrei</a:t>
             </a:r>
             <a:r>
               <a:rPr lang="en-US" dirty="0">
